--- a/Slides/Lesson 1.2 The Kinds of Data.pptx
+++ b/Slides/Lesson 1.2 The Kinds of Data.pptx
@@ -5,7 +5,7 @@
     <p:sldMasterId id="2147483648" r:id="rId1"/>
   </p:sldMasterIdLst>
   <p:notesMasterIdLst>
-    <p:notesMasterId r:id="rId15"/>
+    <p:notesMasterId r:id="rId16"/>
   </p:notesMasterIdLst>
   <p:sldIdLst>
     <p:sldId id="257" r:id="rId2"/>
@@ -21,6 +21,7 @@
     <p:sldId id="341" r:id="rId12"/>
     <p:sldId id="342" r:id="rId13"/>
     <p:sldId id="371" r:id="rId14"/>
+    <p:sldId id="372" r:id="rId15"/>
   </p:sldIdLst>
   <p:sldSz cx="9144000" cy="6858000" type="screen4x3"/>
   <p:notesSz cx="6858000" cy="9144000"/>
@@ -137,6 +138,7 @@
             <p14:sldId id="341"/>
             <p14:sldId id="342"/>
             <p14:sldId id="371"/>
+            <p14:sldId id="372"/>
           </p14:sldIdLst>
         </p14:section>
       </p14:sectionLst>
@@ -242,7 +244,7 @@
             <a:fld id="{E3057DDA-BF5C-4879-9957-16E91151DE1E}" type="datetimeFigureOut">
               <a:rPr lang="en-US" smtClean="0"/>
               <a:pPr/>
-              <a:t>8/2/2015</a:t>
+              <a:t>8/11/2015</a:t>
             </a:fld>
             <a:endParaRPr lang="en-US"/>
           </a:p>
@@ -1067,7 +1069,7 @@
           <a:p>
             <a:fld id="{768B3A28-1884-497D-94C5-27227826CE2C}" type="datetime1">
               <a:rPr lang="en-US" smtClean="0"/>
-              <a:t>8/2/2015</a:t>
+              <a:t>8/11/2015</a:t>
             </a:fld>
             <a:endParaRPr lang="en-US"/>
           </a:p>
@@ -1344,7 +1346,7 @@
           <a:p>
             <a:fld id="{B8262C03-9B91-44B2-B7D5-2A844E6680F8}" type="datetime1">
               <a:rPr lang="en-US" smtClean="0"/>
-              <a:t>8/2/2015</a:t>
+              <a:t>8/11/2015</a:t>
             </a:fld>
             <a:endParaRPr lang="en-US"/>
           </a:p>
@@ -1531,7 +1533,7 @@
           <a:p>
             <a:fld id="{B11DCD3A-F44B-4ECF-B365-54BE99BB4BEA}" type="datetime1">
               <a:rPr lang="en-US" smtClean="0"/>
-              <a:t>8/2/2015</a:t>
+              <a:t>8/11/2015</a:t>
             </a:fld>
             <a:endParaRPr lang="en-US"/>
           </a:p>
@@ -1728,7 +1730,7 @@
           <a:p>
             <a:fld id="{94377941-97D9-4840-A51B-C8DAEDA2815C}" type="datetime1">
               <a:rPr lang="en-US" smtClean="0"/>
-              <a:t>8/2/2015</a:t>
+              <a:t>8/11/2015</a:t>
             </a:fld>
             <a:endParaRPr lang="en-US"/>
           </a:p>
@@ -1934,7 +1936,7 @@
           <a:p>
             <a:fld id="{AB7F5B1C-135C-4619-A2DE-25131AF5278A}" type="datetime1">
               <a:rPr lang="en-US" smtClean="0"/>
-              <a:t>8/2/2015</a:t>
+              <a:t>8/11/2015</a:t>
             </a:fld>
             <a:endParaRPr lang="en-US"/>
           </a:p>
@@ -2136,7 +2138,7 @@
           <a:p>
             <a:fld id="{29517BA8-26BA-4B7C-A41A-804B81F83A36}" type="datetime1">
               <a:rPr lang="en-US" smtClean="0"/>
-              <a:t>8/2/2015</a:t>
+              <a:t>8/11/2015</a:t>
             </a:fld>
             <a:endParaRPr lang="en-US"/>
           </a:p>
@@ -2406,7 +2408,7 @@
           <a:p>
             <a:fld id="{E54FABC5-F62F-49DD-A24E-5C2CE15A3D87}" type="datetime1">
               <a:rPr lang="en-US" smtClean="0"/>
-              <a:t>8/2/2015</a:t>
+              <a:t>8/11/2015</a:t>
             </a:fld>
             <a:endParaRPr lang="en-US"/>
           </a:p>
@@ -2718,7 +2720,7 @@
           <a:p>
             <a:fld id="{510AAC56-4986-4B63-9F74-D47EE64ADD9E}" type="datetime1">
               <a:rPr lang="en-US" smtClean="0"/>
-              <a:t>8/2/2015</a:t>
+              <a:t>8/11/2015</a:t>
             </a:fld>
             <a:endParaRPr lang="en-US"/>
           </a:p>
@@ -3164,7 +3166,7 @@
           <a:p>
             <a:fld id="{FCC14660-E407-48B8-9CF0-DD79C3F69AD0}" type="datetime1">
               <a:rPr lang="en-US" smtClean="0"/>
-              <a:t>8/2/2015</a:t>
+              <a:t>8/11/2015</a:t>
             </a:fld>
             <a:endParaRPr lang="en-US"/>
           </a:p>
@@ -3306,7 +3308,7 @@
           <a:p>
             <a:fld id="{9B0DE907-AEDA-4EE9-869A-B21DA6DC498D}" type="datetime1">
               <a:rPr lang="en-US" smtClean="0"/>
-              <a:t>8/2/2015</a:t>
+              <a:t>8/11/2015</a:t>
             </a:fld>
             <a:endParaRPr lang="en-US"/>
           </a:p>
@@ -3418,7 +3420,7 @@
           <a:p>
             <a:fld id="{38C540BA-3DB2-4124-8990-4661E7113E01}" type="datetime1">
               <a:rPr lang="en-US" smtClean="0"/>
-              <a:t>8/2/2015</a:t>
+              <a:t>8/11/2015</a:t>
             </a:fld>
             <a:endParaRPr lang="en-US"/>
           </a:p>
@@ -3712,7 +3714,7 @@
           <a:p>
             <a:fld id="{90F6EF63-9AC7-45BB-B551-A0640428FFFB}" type="datetime1">
               <a:rPr lang="en-US" smtClean="0"/>
-              <a:t>8/2/2015</a:t>
+              <a:t>8/11/2015</a:t>
             </a:fld>
             <a:endParaRPr lang="en-US"/>
           </a:p>
@@ -4419,27 +4421,11 @@
                   <a:srgbClr val="FF0000"/>
                 </a:solidFill>
               </a:rPr>
-              <a:t>Itemization </a:t>
-            </a:r>
-            <a:r>
-              <a:rPr lang="en-US" i="1" dirty="0" smtClean="0">
-                <a:solidFill>
-                  <a:srgbClr val="FF0000"/>
-                </a:solidFill>
-              </a:rPr>
-              <a:t>data </a:t>
+              <a:t>Itemization data </a:t>
             </a:r>
             <a:r>
               <a:rPr lang="en-US" dirty="0" smtClean="0"/>
-              <a:t>is </a:t>
-            </a:r>
-            <a:r>
-              <a:rPr lang="en-US" dirty="0" smtClean="0"/>
-              <a:t>data that takes on one of a few values</a:t>
-            </a:r>
-            <a:r>
-              <a:rPr lang="en-US" dirty="0" smtClean="0"/>
-              <a:t>.</a:t>
+              <a:t>is data that takes on one of a few values.</a:t>
             </a:r>
           </a:p>
           <a:p>
@@ -4447,7 +4433,6 @@
               <a:rPr lang="en-US" dirty="0" smtClean="0"/>
               <a:t>Sometimes this is called “enumeration data.”</a:t>
             </a:r>
-            <a:endParaRPr lang="en-US" dirty="0" smtClean="0"/>
           </a:p>
           <a:p>
             <a:r>
@@ -4562,29 +4547,16 @@
           <a:p>
             <a:r>
               <a:rPr lang="en-US" dirty="0" smtClean="0"/>
-              <a:t>Our last kind of </a:t>
-            </a:r>
-            <a:r>
-              <a:rPr lang="en-US" dirty="0" smtClean="0"/>
-              <a:t>data (for </a:t>
-            </a:r>
-            <a:r>
-              <a:rPr lang="en-US" dirty="0" smtClean="0"/>
-              <a:t>today) is </a:t>
+              <a:t>Our last kind of data (for today) is </a:t>
             </a:r>
             <a:r>
               <a:rPr lang="en-US" i="1" dirty="0" smtClean="0"/>
-              <a:t>mixed </a:t>
-            </a:r>
-            <a:r>
-              <a:rPr lang="en-US" i="1" dirty="0" smtClean="0"/>
-              <a:t>data</a:t>
+              <a:t>mixed data</a:t>
             </a:r>
             <a:r>
               <a:rPr lang="en-US" dirty="0" smtClean="0"/>
               <a:t>. </a:t>
             </a:r>
-            <a:endParaRPr lang="en-US" dirty="0" smtClean="0"/>
           </a:p>
           <a:p>
             <a:r>
@@ -4603,15 +4575,7 @@
                   <a:srgbClr val="FF0000"/>
                 </a:solidFill>
               </a:rPr>
-              <a:t>mixed </a:t>
-            </a:r>
-            <a:r>
-              <a:rPr lang="en-US" i="1" dirty="0" smtClean="0">
-                <a:solidFill>
-                  <a:srgbClr val="FF0000"/>
-                </a:solidFill>
-              </a:rPr>
-              <a:t>data</a:t>
+              <a:t>mixed data</a:t>
             </a:r>
             <a:r>
               <a:rPr lang="en-US" dirty="0" smtClean="0"/>
@@ -5412,6 +5376,132 @@
     <p:extLst>
       <p:ext uri="{BB962C8B-B14F-4D97-AF65-F5344CB8AC3E}">
         <p14:creationId xmlns:p14="http://schemas.microsoft.com/office/powerpoint/2010/main" val="640731812"/>
+      </p:ext>
+    </p:extLst>
+  </p:cSld>
+  <p:clrMapOvr>
+    <a:masterClrMapping/>
+  </p:clrMapOvr>
+  <p:timing>
+    <p:tnLst>
+      <p:par>
+        <p:cTn id="1" dur="indefinite" restart="never" nodeType="tmRoot"/>
+      </p:par>
+    </p:tnLst>
+  </p:timing>
+</p:sld>
+</file>
+
+<file path=ppt/slides/slide14.xml><?xml version="1.0" encoding="utf-8"?>
+<p:sld xmlns:a="http://schemas.openxmlformats.org/drawingml/2006/main" xmlns:r="http://schemas.openxmlformats.org/officeDocument/2006/relationships" xmlns:p="http://schemas.openxmlformats.org/presentationml/2006/main">
+  <p:cSld>
+    <p:spTree>
+      <p:nvGrpSpPr>
+        <p:cNvPr id="1" name=""/>
+        <p:cNvGrpSpPr/>
+        <p:nvPr/>
+      </p:nvGrpSpPr>
+      <p:grpSpPr>
+        <a:xfrm>
+          <a:off x="0" y="0"/>
+          <a:ext cx="0" cy="0"/>
+          <a:chOff x="0" y="0"/>
+          <a:chExt cx="0" cy="0"/>
+        </a:xfrm>
+      </p:grpSpPr>
+      <p:sp>
+        <p:nvSpPr>
+          <p:cNvPr id="2" name="Title 1"/>
+          <p:cNvSpPr>
+            <a:spLocks noGrp="1"/>
+          </p:cNvSpPr>
+          <p:nvPr>
+            <p:ph type="title"/>
+          </p:nvPr>
+        </p:nvSpPr>
+        <p:spPr/>
+        <p:txBody>
+          <a:bodyPr/>
+          <a:lstStyle/>
+          <a:p>
+            <a:r>
+              <a:rPr lang="en-US" dirty="0" smtClean="0"/>
+              <a:t>Next Steps</a:t>
+            </a:r>
+            <a:endParaRPr lang="en-US" dirty="0"/>
+          </a:p>
+        </p:txBody>
+      </p:sp>
+      <p:sp>
+        <p:nvSpPr>
+          <p:cNvPr id="3" name="Content Placeholder 2"/>
+          <p:cNvSpPr>
+            <a:spLocks noGrp="1"/>
+          </p:cNvSpPr>
+          <p:nvPr>
+            <p:ph idx="1"/>
+          </p:nvPr>
+        </p:nvSpPr>
+        <p:spPr/>
+        <p:txBody>
+          <a:bodyPr/>
+          <a:lstStyle/>
+          <a:p>
+            <a:r>
+              <a:rPr lang="en-US" dirty="0" smtClean="0"/>
+              <a:t>Do </a:t>
+            </a:r>
+            <a:r>
+              <a:rPr lang="en-US" smtClean="0"/>
+              <a:t>Guided Practice 1.1</a:t>
+            </a:r>
+          </a:p>
+          <a:p>
+            <a:r>
+              <a:rPr lang="en-US" dirty="0" smtClean="0"/>
+              <a:t>If </a:t>
+            </a:r>
+            <a:r>
+              <a:rPr lang="en-US" dirty="0" smtClean="0"/>
+              <a:t>you have questions about this lesson, ask them on the Discussion Board</a:t>
+            </a:r>
+          </a:p>
+          <a:p>
+            <a:r>
+              <a:rPr lang="en-US" dirty="0" smtClean="0"/>
+              <a:t>Go on to the next lesson</a:t>
+            </a:r>
+            <a:endParaRPr lang="en-US" dirty="0"/>
+          </a:p>
+        </p:txBody>
+      </p:sp>
+      <p:sp>
+        <p:nvSpPr>
+          <p:cNvPr id="4" name="Slide Number Placeholder 3"/>
+          <p:cNvSpPr>
+            <a:spLocks noGrp="1"/>
+          </p:cNvSpPr>
+          <p:nvPr>
+            <p:ph type="sldNum" sz="quarter" idx="12"/>
+          </p:nvPr>
+        </p:nvSpPr>
+        <p:spPr/>
+        <p:txBody>
+          <a:bodyPr/>
+          <a:lstStyle/>
+          <a:p>
+            <a:fld id="{2AF3B5EA-18B6-4040-9F78-6052AF49C681}" type="slidenum">
+              <a:rPr lang="en-US" smtClean="0"/>
+              <a:t>14</a:t>
+            </a:fld>
+            <a:endParaRPr lang="en-US"/>
+          </a:p>
+        </p:txBody>
+      </p:sp>
+    </p:spTree>
+    <p:extLst>
+      <p:ext uri="{BB962C8B-B14F-4D97-AF65-F5344CB8AC3E}">
+        <p14:creationId xmlns:p14="http://schemas.microsoft.com/office/powerpoint/2010/main" val="947348492"/>
       </p:ext>
     </p:extLst>
   </p:cSld>

--- a/Slides/Lesson 1.2 The Kinds of Data.pptx
+++ b/Slides/Lesson 1.2 The Kinds of Data.pptx
@@ -244,7 +244,7 @@
             <a:fld id="{E3057DDA-BF5C-4879-9957-16E91151DE1E}" type="datetimeFigureOut">
               <a:rPr lang="en-US" smtClean="0"/>
               <a:pPr/>
-              <a:t>8/11/2015</a:t>
+              <a:t>7/25/2016</a:t>
             </a:fld>
             <a:endParaRPr lang="en-US"/>
           </a:p>
@@ -308,38 +308,37 @@
           <a:p>
             <a:pPr lvl="0"/>
             <a:r>
-              <a:rPr lang="en-US" smtClean="0"/>
+              <a:rPr lang="en-US"/>
               <a:t>Click to edit Master text styles</a:t>
             </a:r>
           </a:p>
           <a:p>
             <a:pPr lvl="1"/>
             <a:r>
-              <a:rPr lang="en-US" smtClean="0"/>
+              <a:rPr lang="en-US"/>
               <a:t>Second level</a:t>
             </a:r>
           </a:p>
           <a:p>
             <a:pPr lvl="2"/>
             <a:r>
-              <a:rPr lang="en-US" smtClean="0"/>
+              <a:rPr lang="en-US"/>
               <a:t>Third level</a:t>
             </a:r>
           </a:p>
           <a:p>
             <a:pPr lvl="3"/>
             <a:r>
-              <a:rPr lang="en-US" smtClean="0"/>
+              <a:rPr lang="en-US"/>
               <a:t>Fourth level</a:t>
             </a:r>
           </a:p>
           <a:p>
             <a:pPr lvl="4"/>
             <a:r>
-              <a:rPr lang="en-US" smtClean="0"/>
+              <a:rPr lang="en-US"/>
               <a:t>Fifth level</a:t>
             </a:r>
-            <a:endParaRPr lang="en-US"/>
           </a:p>
         </p:txBody>
       </p:sp>
@@ -645,19 +644,18 @@
           <a:lstStyle/>
           <a:p>
             <a:r>
-              <a:rPr lang="en-US" dirty="0" smtClean="0"/>
+              <a:rPr lang="en-US" dirty="0"/>
               <a:t>Information is represented as Data</a:t>
             </a:r>
           </a:p>
           <a:p>
-            <a:endParaRPr lang="en-US" dirty="0" smtClean="0"/>
-          </a:p>
-          <a:p>
-            <a:r>
-              <a:rPr lang="en-US" dirty="0" smtClean="0"/>
+            <a:endParaRPr lang="en-US" dirty="0"/>
+          </a:p>
+          <a:p>
+            <a:r>
+              <a:rPr lang="en-US" dirty="0"/>
               <a:t>Data is interpreted as Information</a:t>
             </a:r>
-            <a:endParaRPr lang="en-US" dirty="0"/>
           </a:p>
         </p:txBody>
       </p:sp>
@@ -743,10 +741,9 @@
           <a:lstStyle/>
           <a:p>
             <a:r>
-              <a:rPr lang="en-US" dirty="0" smtClean="0"/>
+              <a:rPr lang="en-US" dirty="0"/>
               <a:t>Here is the function design recipe.  </a:t>
             </a:r>
-            <a:endParaRPr lang="en-US" dirty="0"/>
           </a:p>
         </p:txBody>
       </p:sp>
@@ -831,7 +828,7 @@
           <a:bodyPr/>
           <a:lstStyle/>
           <a:p>
-            <a:endParaRPr lang="en-US" sz="1200" b="1" kern="1200" dirty="0" smtClean="0">
+            <a:endParaRPr lang="en-US" sz="1200" b="1" kern="1200" dirty="0">
               <a:solidFill>
                 <a:schemeClr val="tx1"/>
               </a:solidFill>
@@ -918,10 +915,9 @@
           <a:lstStyle/>
           <a:p>
             <a:r>
-              <a:rPr lang="en-US" smtClean="0"/>
+              <a:rPr lang="en-US"/>
               <a:t>Click to edit Master title style</a:t>
             </a:r>
-            <a:endParaRPr lang="en-US"/>
           </a:p>
         </p:txBody>
       </p:sp>
@@ -1037,10 +1033,9 @@
           </a:lstStyle>
           <a:p>
             <a:r>
-              <a:rPr lang="en-US" smtClean="0"/>
+              <a:rPr lang="en-US"/>
               <a:t>Click to edit Master subtitle style</a:t>
             </a:r>
-            <a:endParaRPr lang="en-US"/>
           </a:p>
         </p:txBody>
       </p:sp>
@@ -1069,7 +1064,7 @@
           <a:p>
             <a:fld id="{768B3A28-1884-497D-94C5-27227826CE2C}" type="datetime1">
               <a:rPr lang="en-US" smtClean="0"/>
-              <a:t>8/11/2015</a:t>
+              <a:t>7/25/2016</a:t>
             </a:fld>
             <a:endParaRPr lang="en-US"/>
           </a:p>
@@ -1136,13 +1131,6 @@
   <p:clrMapOvr>
     <a:masterClrMapping/>
   </p:clrMapOvr>
-  <p:timing>
-    <p:tnLst>
-      <p:par>
-        <p:cTn id="1" dur="indefinite" restart="never" nodeType="tmRoot"/>
-      </p:par>
-    </p:tnLst>
-  </p:timing>
 </p:sldLayout>
 </file>
 
@@ -1188,10 +1176,9 @@
           </a:lstStyle>
           <a:p>
             <a:r>
-              <a:rPr lang="en-US" smtClean="0"/>
+              <a:rPr lang="en-US"/>
               <a:t>Click to edit Master title style</a:t>
             </a:r>
-            <a:endParaRPr lang="en-US"/>
           </a:p>
         </p:txBody>
       </p:sp>
@@ -1315,7 +1302,7 @@
           <a:p>
             <a:pPr lvl="0"/>
             <a:r>
-              <a:rPr lang="en-US" smtClean="0"/>
+              <a:rPr lang="en-US"/>
               <a:t>Click to edit Master text styles</a:t>
             </a:r>
           </a:p>
@@ -1346,7 +1333,7 @@
           <a:p>
             <a:fld id="{B8262C03-9B91-44B2-B7D5-2A844E6680F8}" type="datetime1">
               <a:rPr lang="en-US" smtClean="0"/>
-              <a:t>8/11/2015</a:t>
+              <a:t>7/25/2016</a:t>
             </a:fld>
             <a:endParaRPr lang="en-US"/>
           </a:p>
@@ -1449,10 +1436,9 @@
           <a:lstStyle/>
           <a:p>
             <a:r>
-              <a:rPr lang="en-US" smtClean="0"/>
+              <a:rPr lang="en-US"/>
               <a:t>Click to edit Master title style</a:t>
             </a:r>
-            <a:endParaRPr lang="en-US"/>
           </a:p>
         </p:txBody>
       </p:sp>
@@ -1473,38 +1459,37 @@
           <a:p>
             <a:pPr lvl="0"/>
             <a:r>
-              <a:rPr lang="en-US" smtClean="0"/>
+              <a:rPr lang="en-US"/>
               <a:t>Click to edit Master text styles</a:t>
             </a:r>
           </a:p>
           <a:p>
             <a:pPr lvl="1"/>
             <a:r>
-              <a:rPr lang="en-US" smtClean="0"/>
+              <a:rPr lang="en-US"/>
               <a:t>Second level</a:t>
             </a:r>
           </a:p>
           <a:p>
             <a:pPr lvl="2"/>
             <a:r>
-              <a:rPr lang="en-US" smtClean="0"/>
+              <a:rPr lang="en-US"/>
               <a:t>Third level</a:t>
             </a:r>
           </a:p>
           <a:p>
             <a:pPr lvl="3"/>
             <a:r>
-              <a:rPr lang="en-US" smtClean="0"/>
+              <a:rPr lang="en-US"/>
               <a:t>Fourth level</a:t>
             </a:r>
           </a:p>
           <a:p>
             <a:pPr lvl="4"/>
             <a:r>
-              <a:rPr lang="en-US" smtClean="0"/>
+              <a:rPr lang="en-US"/>
               <a:t>Fifth level</a:t>
             </a:r>
-            <a:endParaRPr lang="en-US"/>
           </a:p>
         </p:txBody>
       </p:sp>
@@ -1533,7 +1518,7 @@
           <a:p>
             <a:fld id="{B11DCD3A-F44B-4ECF-B365-54BE99BB4BEA}" type="datetime1">
               <a:rPr lang="en-US" smtClean="0"/>
-              <a:t>8/11/2015</a:t>
+              <a:t>7/25/2016</a:t>
             </a:fld>
             <a:endParaRPr lang="en-US"/>
           </a:p>
@@ -1641,10 +1626,9 @@
           <a:lstStyle/>
           <a:p>
             <a:r>
-              <a:rPr lang="en-US" smtClean="0"/>
+              <a:rPr lang="en-US"/>
               <a:t>Click to edit Master title style</a:t>
             </a:r>
-            <a:endParaRPr lang="en-US"/>
           </a:p>
         </p:txBody>
       </p:sp>
@@ -1670,38 +1654,37 @@
           <a:p>
             <a:pPr lvl="0"/>
             <a:r>
-              <a:rPr lang="en-US" smtClean="0"/>
+              <a:rPr lang="en-US"/>
               <a:t>Click to edit Master text styles</a:t>
             </a:r>
           </a:p>
           <a:p>
             <a:pPr lvl="1"/>
             <a:r>
-              <a:rPr lang="en-US" smtClean="0"/>
+              <a:rPr lang="en-US"/>
               <a:t>Second level</a:t>
             </a:r>
           </a:p>
           <a:p>
             <a:pPr lvl="2"/>
             <a:r>
-              <a:rPr lang="en-US" smtClean="0"/>
+              <a:rPr lang="en-US"/>
               <a:t>Third level</a:t>
             </a:r>
           </a:p>
           <a:p>
             <a:pPr lvl="3"/>
             <a:r>
-              <a:rPr lang="en-US" smtClean="0"/>
+              <a:rPr lang="en-US"/>
               <a:t>Fourth level</a:t>
             </a:r>
           </a:p>
           <a:p>
             <a:pPr lvl="4"/>
             <a:r>
-              <a:rPr lang="en-US" smtClean="0"/>
+              <a:rPr lang="en-US"/>
               <a:t>Fifth level</a:t>
             </a:r>
-            <a:endParaRPr lang="en-US"/>
           </a:p>
         </p:txBody>
       </p:sp>
@@ -1730,7 +1713,7 @@
           <a:p>
             <a:fld id="{94377941-97D9-4840-A51B-C8DAEDA2815C}" type="datetime1">
               <a:rPr lang="en-US" smtClean="0"/>
-              <a:t>8/11/2015</a:t>
+              <a:t>7/25/2016</a:t>
             </a:fld>
             <a:endParaRPr lang="en-US"/>
           </a:p>
@@ -1797,13 +1780,6 @@
   <p:clrMapOvr>
     <a:masterClrMapping/>
   </p:clrMapOvr>
-  <p:timing>
-    <p:tnLst>
-      <p:par>
-        <p:cTn id="1" dur="indefinite" restart="never" nodeType="tmRoot"/>
-      </p:par>
-    </p:tnLst>
-  </p:timing>
 </p:sldLayout>
 </file>
 
@@ -1852,10 +1828,9 @@
           <a:lstStyle/>
           <a:p>
             <a:r>
-              <a:rPr lang="en-US" smtClean="0"/>
+              <a:rPr lang="en-US"/>
               <a:t>Click to edit Master title style</a:t>
             </a:r>
-            <a:endParaRPr lang="en-US"/>
           </a:p>
         </p:txBody>
       </p:sp>
@@ -1876,38 +1851,37 @@
           <a:p>
             <a:pPr lvl="0"/>
             <a:r>
-              <a:rPr lang="en-US" smtClean="0"/>
+              <a:rPr lang="en-US"/>
               <a:t>Click to edit Master text styles</a:t>
             </a:r>
           </a:p>
           <a:p>
             <a:pPr lvl="1"/>
             <a:r>
-              <a:rPr lang="en-US" smtClean="0"/>
+              <a:rPr lang="en-US"/>
               <a:t>Second level</a:t>
             </a:r>
           </a:p>
           <a:p>
             <a:pPr lvl="2"/>
             <a:r>
-              <a:rPr lang="en-US" smtClean="0"/>
+              <a:rPr lang="en-US"/>
               <a:t>Third level</a:t>
             </a:r>
           </a:p>
           <a:p>
             <a:pPr lvl="3"/>
             <a:r>
-              <a:rPr lang="en-US" smtClean="0"/>
+              <a:rPr lang="en-US"/>
               <a:t>Fourth level</a:t>
             </a:r>
           </a:p>
           <a:p>
             <a:pPr lvl="4"/>
             <a:r>
-              <a:rPr lang="en-US" smtClean="0"/>
+              <a:rPr lang="en-US"/>
               <a:t>Fifth level</a:t>
             </a:r>
-            <a:endParaRPr lang="en-US"/>
           </a:p>
         </p:txBody>
       </p:sp>
@@ -1936,7 +1910,7 @@
           <a:p>
             <a:fld id="{AB7F5B1C-135C-4619-A2DE-25131AF5278A}" type="datetime1">
               <a:rPr lang="en-US" smtClean="0"/>
-              <a:t>8/11/2015</a:t>
+              <a:t>7/25/2016</a:t>
             </a:fld>
             <a:endParaRPr lang="en-US"/>
           </a:p>
@@ -2003,13 +1977,6 @@
   <p:clrMapOvr>
     <a:masterClrMapping/>
   </p:clrMapOvr>
-  <p:timing>
-    <p:tnLst>
-      <p:par>
-        <p:cTn id="1" dur="indefinite" restart="never" nodeType="tmRoot"/>
-      </p:par>
-    </p:tnLst>
-  </p:timing>
 </p:sldLayout>
 </file>
 
@@ -2046,10 +2013,9 @@
           <a:lstStyle/>
           <a:p>
             <a:r>
-              <a:rPr lang="en-US" smtClean="0"/>
+              <a:rPr lang="en-US"/>
               <a:t>Click to edit Master title style</a:t>
             </a:r>
-            <a:endParaRPr lang="en-US"/>
           </a:p>
         </p:txBody>
       </p:sp>
@@ -2078,38 +2044,37 @@
           <a:p>
             <a:pPr lvl="0"/>
             <a:r>
-              <a:rPr lang="en-US" dirty="0" smtClean="0"/>
+              <a:rPr lang="en-US" dirty="0"/>
               <a:t>Click to edit Master text styles</a:t>
             </a:r>
           </a:p>
           <a:p>
             <a:pPr lvl="1"/>
             <a:r>
-              <a:rPr lang="en-US" dirty="0" smtClean="0"/>
+              <a:rPr lang="en-US" dirty="0"/>
               <a:t>Second level</a:t>
             </a:r>
           </a:p>
           <a:p>
             <a:pPr lvl="2"/>
             <a:r>
-              <a:rPr lang="en-US" dirty="0" smtClean="0"/>
+              <a:rPr lang="en-US" dirty="0"/>
               <a:t>Third level</a:t>
             </a:r>
           </a:p>
           <a:p>
             <a:pPr lvl="3"/>
             <a:r>
-              <a:rPr lang="en-US" dirty="0" smtClean="0"/>
+              <a:rPr lang="en-US" dirty="0"/>
               <a:t>Fourth level</a:t>
             </a:r>
           </a:p>
           <a:p>
             <a:pPr lvl="4"/>
             <a:r>
-              <a:rPr lang="en-US" dirty="0" smtClean="0"/>
+              <a:rPr lang="en-US" dirty="0"/>
               <a:t>Fifth level</a:t>
             </a:r>
-            <a:endParaRPr lang="en-US" dirty="0"/>
           </a:p>
         </p:txBody>
       </p:sp>
@@ -2138,7 +2103,7 @@
           <a:p>
             <a:fld id="{29517BA8-26BA-4B7C-A41A-804B81F83A36}" type="datetime1">
               <a:rPr lang="en-US" smtClean="0"/>
-              <a:t>8/11/2015</a:t>
+              <a:t>7/25/2016</a:t>
             </a:fld>
             <a:endParaRPr lang="en-US"/>
           </a:p>
@@ -2205,13 +2170,6 @@
   <p:clrMapOvr>
     <a:masterClrMapping/>
   </p:clrMapOvr>
-  <p:timing>
-    <p:tnLst>
-      <p:par>
-        <p:cTn id="1" dur="indefinite" restart="never" nodeType="tmRoot"/>
-      </p:par>
-    </p:tnLst>
-  </p:timing>
 </p:sldLayout>
 </file>
 
@@ -2257,10 +2215,9 @@
           </a:lstStyle>
           <a:p>
             <a:r>
-              <a:rPr lang="en-US" smtClean="0"/>
+              <a:rPr lang="en-US"/>
               <a:t>Click to edit Master title style</a:t>
             </a:r>
-            <a:endParaRPr lang="en-US"/>
           </a:p>
         </p:txBody>
       </p:sp>
@@ -2377,7 +2334,7 @@
           <a:p>
             <a:pPr lvl="0"/>
             <a:r>
-              <a:rPr lang="en-US" smtClean="0"/>
+              <a:rPr lang="en-US"/>
               <a:t>Click to edit Master text styles</a:t>
             </a:r>
           </a:p>
@@ -2408,7 +2365,7 @@
           <a:p>
             <a:fld id="{E54FABC5-F62F-49DD-A24E-5C2CE15A3D87}" type="datetime1">
               <a:rPr lang="en-US" smtClean="0"/>
-              <a:t>8/11/2015</a:t>
+              <a:t>7/25/2016</a:t>
             </a:fld>
             <a:endParaRPr lang="en-US"/>
           </a:p>
@@ -2475,13 +2432,6 @@
   <p:clrMapOvr>
     <a:masterClrMapping/>
   </p:clrMapOvr>
-  <p:timing>
-    <p:tnLst>
-      <p:par>
-        <p:cTn id="1" dur="indefinite" restart="never" nodeType="tmRoot"/>
-      </p:par>
-    </p:tnLst>
-  </p:timing>
 </p:sldLayout>
 </file>
 
@@ -2518,10 +2468,9 @@
           <a:lstStyle/>
           <a:p>
             <a:r>
-              <a:rPr lang="en-US" smtClean="0"/>
+              <a:rPr lang="en-US"/>
               <a:t>Click to edit Master title style</a:t>
             </a:r>
-            <a:endParaRPr lang="en-US"/>
           </a:p>
         </p:txBody>
       </p:sp>
@@ -2575,38 +2524,37 @@
           <a:p>
             <a:pPr lvl="0"/>
             <a:r>
-              <a:rPr lang="en-US" smtClean="0"/>
+              <a:rPr lang="en-US"/>
               <a:t>Click to edit Master text styles</a:t>
             </a:r>
           </a:p>
           <a:p>
             <a:pPr lvl="1"/>
             <a:r>
-              <a:rPr lang="en-US" smtClean="0"/>
+              <a:rPr lang="en-US"/>
               <a:t>Second level</a:t>
             </a:r>
           </a:p>
           <a:p>
             <a:pPr lvl="2"/>
             <a:r>
-              <a:rPr lang="en-US" smtClean="0"/>
+              <a:rPr lang="en-US"/>
               <a:t>Third level</a:t>
             </a:r>
           </a:p>
           <a:p>
             <a:pPr lvl="3"/>
             <a:r>
-              <a:rPr lang="en-US" smtClean="0"/>
+              <a:rPr lang="en-US"/>
               <a:t>Fourth level</a:t>
             </a:r>
           </a:p>
           <a:p>
             <a:pPr lvl="4"/>
             <a:r>
-              <a:rPr lang="en-US" smtClean="0"/>
+              <a:rPr lang="en-US"/>
               <a:t>Fifth level</a:t>
             </a:r>
-            <a:endParaRPr lang="en-US"/>
           </a:p>
         </p:txBody>
       </p:sp>
@@ -2660,38 +2608,37 @@
           <a:p>
             <a:pPr lvl="0"/>
             <a:r>
-              <a:rPr lang="en-US" smtClean="0"/>
+              <a:rPr lang="en-US"/>
               <a:t>Click to edit Master text styles</a:t>
             </a:r>
           </a:p>
           <a:p>
             <a:pPr lvl="1"/>
             <a:r>
-              <a:rPr lang="en-US" smtClean="0"/>
+              <a:rPr lang="en-US"/>
               <a:t>Second level</a:t>
             </a:r>
           </a:p>
           <a:p>
             <a:pPr lvl="2"/>
             <a:r>
-              <a:rPr lang="en-US" smtClean="0"/>
+              <a:rPr lang="en-US"/>
               <a:t>Third level</a:t>
             </a:r>
           </a:p>
           <a:p>
             <a:pPr lvl="3"/>
             <a:r>
-              <a:rPr lang="en-US" smtClean="0"/>
+              <a:rPr lang="en-US"/>
               <a:t>Fourth level</a:t>
             </a:r>
           </a:p>
           <a:p>
             <a:pPr lvl="4"/>
             <a:r>
-              <a:rPr lang="en-US" smtClean="0"/>
+              <a:rPr lang="en-US"/>
               <a:t>Fifth level</a:t>
             </a:r>
-            <a:endParaRPr lang="en-US"/>
           </a:p>
         </p:txBody>
       </p:sp>
@@ -2720,7 +2667,7 @@
           <a:p>
             <a:fld id="{510AAC56-4986-4B63-9F74-D47EE64ADD9E}" type="datetime1">
               <a:rPr lang="en-US" smtClean="0"/>
-              <a:t>8/11/2015</a:t>
+              <a:t>7/25/2016</a:t>
             </a:fld>
             <a:endParaRPr lang="en-US"/>
           </a:p>
@@ -2787,13 +2734,6 @@
   <p:clrMapOvr>
     <a:masterClrMapping/>
   </p:clrMapOvr>
-  <p:timing>
-    <p:tnLst>
-      <p:par>
-        <p:cTn id="1" dur="indefinite" restart="never" nodeType="tmRoot"/>
-      </p:par>
-    </p:tnLst>
-  </p:timing>
 </p:sldLayout>
 </file>
 
@@ -2834,10 +2774,9 @@
           </a:lstStyle>
           <a:p>
             <a:r>
-              <a:rPr lang="en-US" smtClean="0"/>
+              <a:rPr lang="en-US"/>
               <a:t>Click to edit Master title style</a:t>
             </a:r>
-            <a:endParaRPr lang="en-US"/>
           </a:p>
         </p:txBody>
       </p:sp>
@@ -2900,7 +2839,7 @@
           <a:p>
             <a:pPr lvl="0"/>
             <a:r>
-              <a:rPr lang="en-US" smtClean="0"/>
+              <a:rPr lang="en-US"/>
               <a:t>Click to edit Master text styles</a:t>
             </a:r>
           </a:p>
@@ -2956,38 +2895,37 @@
           <a:p>
             <a:pPr lvl="0"/>
             <a:r>
-              <a:rPr lang="en-US" smtClean="0"/>
+              <a:rPr lang="en-US"/>
               <a:t>Click to edit Master text styles</a:t>
             </a:r>
           </a:p>
           <a:p>
             <a:pPr lvl="1"/>
             <a:r>
-              <a:rPr lang="en-US" smtClean="0"/>
+              <a:rPr lang="en-US"/>
               <a:t>Second level</a:t>
             </a:r>
           </a:p>
           <a:p>
             <a:pPr lvl="2"/>
             <a:r>
-              <a:rPr lang="en-US" smtClean="0"/>
+              <a:rPr lang="en-US"/>
               <a:t>Third level</a:t>
             </a:r>
           </a:p>
           <a:p>
             <a:pPr lvl="3"/>
             <a:r>
-              <a:rPr lang="en-US" smtClean="0"/>
+              <a:rPr lang="en-US"/>
               <a:t>Fourth level</a:t>
             </a:r>
           </a:p>
           <a:p>
             <a:pPr lvl="4"/>
             <a:r>
-              <a:rPr lang="en-US" smtClean="0"/>
+              <a:rPr lang="en-US"/>
               <a:t>Fifth level</a:t>
             </a:r>
-            <a:endParaRPr lang="en-US"/>
           </a:p>
         </p:txBody>
       </p:sp>
@@ -3050,7 +2988,7 @@
           <a:p>
             <a:pPr lvl="0"/>
             <a:r>
-              <a:rPr lang="en-US" smtClean="0"/>
+              <a:rPr lang="en-US"/>
               <a:t>Click to edit Master text styles</a:t>
             </a:r>
           </a:p>
@@ -3106,38 +3044,37 @@
           <a:p>
             <a:pPr lvl="0"/>
             <a:r>
-              <a:rPr lang="en-US" smtClean="0"/>
+              <a:rPr lang="en-US"/>
               <a:t>Click to edit Master text styles</a:t>
             </a:r>
           </a:p>
           <a:p>
             <a:pPr lvl="1"/>
             <a:r>
-              <a:rPr lang="en-US" smtClean="0"/>
+              <a:rPr lang="en-US"/>
               <a:t>Second level</a:t>
             </a:r>
           </a:p>
           <a:p>
             <a:pPr lvl="2"/>
             <a:r>
-              <a:rPr lang="en-US" smtClean="0"/>
+              <a:rPr lang="en-US"/>
               <a:t>Third level</a:t>
             </a:r>
           </a:p>
           <a:p>
             <a:pPr lvl="3"/>
             <a:r>
-              <a:rPr lang="en-US" smtClean="0"/>
+              <a:rPr lang="en-US"/>
               <a:t>Fourth level</a:t>
             </a:r>
           </a:p>
           <a:p>
             <a:pPr lvl="4"/>
             <a:r>
-              <a:rPr lang="en-US" smtClean="0"/>
+              <a:rPr lang="en-US"/>
               <a:t>Fifth level</a:t>
             </a:r>
-            <a:endParaRPr lang="en-US"/>
           </a:p>
         </p:txBody>
       </p:sp>
@@ -3166,7 +3103,7 @@
           <a:p>
             <a:fld id="{FCC14660-E407-48B8-9CF0-DD79C3F69AD0}" type="datetime1">
               <a:rPr lang="en-US" smtClean="0"/>
-              <a:t>8/11/2015</a:t>
+              <a:t>7/25/2016</a:t>
             </a:fld>
             <a:endParaRPr lang="en-US"/>
           </a:p>
@@ -3233,13 +3170,6 @@
   <p:clrMapOvr>
     <a:masterClrMapping/>
   </p:clrMapOvr>
-  <p:timing>
-    <p:tnLst>
-      <p:par>
-        <p:cTn id="1" dur="indefinite" restart="never" nodeType="tmRoot"/>
-      </p:par>
-    </p:tnLst>
-  </p:timing>
 </p:sldLayout>
 </file>
 
@@ -3276,10 +3206,9 @@
           <a:lstStyle/>
           <a:p>
             <a:r>
-              <a:rPr lang="en-US" smtClean="0"/>
+              <a:rPr lang="en-US"/>
               <a:t>Click to edit Master title style</a:t>
             </a:r>
-            <a:endParaRPr lang="en-US"/>
           </a:p>
         </p:txBody>
       </p:sp>
@@ -3308,7 +3237,7 @@
           <a:p>
             <a:fld id="{9B0DE907-AEDA-4EE9-869A-B21DA6DC498D}" type="datetime1">
               <a:rPr lang="en-US" smtClean="0"/>
-              <a:t>8/11/2015</a:t>
+              <a:t>7/25/2016</a:t>
             </a:fld>
             <a:endParaRPr lang="en-US"/>
           </a:p>
@@ -3420,7 +3349,7 @@
           <a:p>
             <a:fld id="{38C540BA-3DB2-4124-8990-4661E7113E01}" type="datetime1">
               <a:rPr lang="en-US" smtClean="0"/>
-              <a:t>8/11/2015</a:t>
+              <a:t>7/25/2016</a:t>
             </a:fld>
             <a:endParaRPr lang="en-US"/>
           </a:p>
@@ -3532,10 +3461,9 @@
           </a:lstStyle>
           <a:p>
             <a:r>
-              <a:rPr lang="en-US" smtClean="0"/>
+              <a:rPr lang="en-US"/>
               <a:t>Click to edit Master title style</a:t>
             </a:r>
-            <a:endParaRPr lang="en-US"/>
           </a:p>
         </p:txBody>
       </p:sp>
@@ -3589,38 +3517,37 @@
           <a:p>
             <a:pPr lvl="0"/>
             <a:r>
-              <a:rPr lang="en-US" smtClean="0"/>
+              <a:rPr lang="en-US"/>
               <a:t>Click to edit Master text styles</a:t>
             </a:r>
           </a:p>
           <a:p>
             <a:pPr lvl="1"/>
             <a:r>
-              <a:rPr lang="en-US" smtClean="0"/>
+              <a:rPr lang="en-US"/>
               <a:t>Second level</a:t>
             </a:r>
           </a:p>
           <a:p>
             <a:pPr lvl="2"/>
             <a:r>
-              <a:rPr lang="en-US" smtClean="0"/>
+              <a:rPr lang="en-US"/>
               <a:t>Third level</a:t>
             </a:r>
           </a:p>
           <a:p>
             <a:pPr lvl="3"/>
             <a:r>
-              <a:rPr lang="en-US" smtClean="0"/>
+              <a:rPr lang="en-US"/>
               <a:t>Fourth level</a:t>
             </a:r>
           </a:p>
           <a:p>
             <a:pPr lvl="4"/>
             <a:r>
-              <a:rPr lang="en-US" smtClean="0"/>
+              <a:rPr lang="en-US"/>
               <a:t>Fifth level</a:t>
             </a:r>
-            <a:endParaRPr lang="en-US"/>
           </a:p>
         </p:txBody>
       </p:sp>
@@ -3683,7 +3610,7 @@
           <a:p>
             <a:pPr lvl="0"/>
             <a:r>
-              <a:rPr lang="en-US" smtClean="0"/>
+              <a:rPr lang="en-US"/>
               <a:t>Click to edit Master text styles</a:t>
             </a:r>
           </a:p>
@@ -3714,7 +3641,7 @@
           <a:p>
             <a:fld id="{90F6EF63-9AC7-45BB-B551-A0640428FFFB}" type="datetime1">
               <a:rPr lang="en-US" smtClean="0"/>
-              <a:t>8/11/2015</a:t>
+              <a:t>7/25/2016</a:t>
             </a:fld>
             <a:endParaRPr lang="en-US"/>
           </a:p>
@@ -3832,10 +3759,9 @@
           <a:lstStyle/>
           <a:p>
             <a:r>
-              <a:rPr lang="en-US" smtClean="0"/>
+              <a:rPr lang="en-US"/>
               <a:t>Click to edit Master title style</a:t>
             </a:r>
-            <a:endParaRPr lang="en-US"/>
           </a:p>
         </p:txBody>
       </p:sp>
@@ -3866,38 +3792,37 @@
           <a:p>
             <a:pPr lvl="0"/>
             <a:r>
-              <a:rPr lang="en-US" smtClean="0"/>
+              <a:rPr lang="en-US"/>
               <a:t>Click to edit Master text styles</a:t>
             </a:r>
           </a:p>
           <a:p>
             <a:pPr lvl="1"/>
             <a:r>
-              <a:rPr lang="en-US" smtClean="0"/>
+              <a:rPr lang="en-US"/>
               <a:t>Second level</a:t>
             </a:r>
           </a:p>
           <a:p>
             <a:pPr lvl="2"/>
             <a:r>
-              <a:rPr lang="en-US" smtClean="0"/>
+              <a:rPr lang="en-US"/>
               <a:t>Third level</a:t>
             </a:r>
           </a:p>
           <a:p>
             <a:pPr lvl="3"/>
             <a:r>
-              <a:rPr lang="en-US" smtClean="0"/>
+              <a:rPr lang="en-US"/>
               <a:t>Fourth level</a:t>
             </a:r>
           </a:p>
           <a:p>
             <a:pPr lvl="4"/>
             <a:r>
-              <a:rPr lang="en-US" smtClean="0"/>
+              <a:rPr lang="en-US"/>
               <a:t>Fifth level</a:t>
             </a:r>
-            <a:endParaRPr lang="en-US"/>
           </a:p>
         </p:txBody>
       </p:sp>
@@ -3965,13 +3890,6 @@
     <p:sldLayoutId id="2147483658" r:id="rId11"/>
     <p:sldLayoutId id="2147483659" r:id="rId12"/>
   </p:sldLayoutIdLst>
-  <p:timing>
-    <p:tnLst>
-      <p:par>
-        <p:cTn id="1" dur="indefinite" restart="never" nodeType="tmRoot"/>
-      </p:par>
-    </p:tnLst>
-  </p:timing>
   <p:hf hdr="0" ftr="0" dt="0"/>
   <p:txStyles>
     <p:titleStyle>
@@ -4253,18 +4171,23 @@
             <p:ph type="ctrTitle"/>
           </p:nvPr>
         </p:nvSpPr>
-        <p:spPr/>
-        <p:txBody>
-          <a:bodyPr>
+        <p:spPr>
+          <a:ln w="28575">
+            <a:solidFill>
+              <a:schemeClr val="accent1"/>
+            </a:solidFill>
+          </a:ln>
+        </p:spPr>
+        <p:txBody>
+          <a:bodyPr vert="horz" lIns="91440" tIns="45720" rIns="91440" bIns="45720" rtlCol="0" anchor="ctr">
             <a:normAutofit/>
           </a:bodyPr>
           <a:lstStyle/>
           <a:p>
             <a:r>
-              <a:rPr lang="en-US" dirty="0" smtClean="0"/>
+              <a:rPr lang="en-US" dirty="0"/>
               <a:t>The Different Kinds of Data</a:t>
             </a:r>
-            <a:endParaRPr lang="en-US" dirty="0"/>
           </a:p>
         </p:txBody>
       </p:sp>
@@ -4299,13 +4222,8 @@
           <a:p>
             <a:r>
               <a:rPr lang="en-US" dirty="0"/>
-              <a:t>Lesson </a:t>
-            </a:r>
-            <a:r>
-              <a:rPr lang="en-US" dirty="0" smtClean="0"/>
-              <a:t>1.2</a:t>
-            </a:r>
-            <a:endParaRPr lang="en-US" dirty="0"/>
+              <a:t>Lesson 1.2</a:t>
+            </a:r>
           </a:p>
           <a:p>
             <a:endParaRPr lang="en-US" dirty="0"/>
@@ -4336,6 +4254,120 @@
           </a:p>
         </p:txBody>
       </p:sp>
+      <p:grpSp>
+        <p:nvGrpSpPr>
+          <p:cNvPr id="6" name="Group 5"/>
+          <p:cNvGrpSpPr/>
+          <p:nvPr/>
+        </p:nvGrpSpPr>
+        <p:grpSpPr>
+          <a:xfrm>
+            <a:off x="120650" y="6314759"/>
+            <a:ext cx="8902700" cy="400110"/>
+            <a:chOff x="120650" y="6314759"/>
+            <a:chExt cx="8902700" cy="400110"/>
+          </a:xfrm>
+        </p:grpSpPr>
+        <p:pic>
+          <p:nvPicPr>
+            <p:cNvPr id="7" name="Picture 6"/>
+            <p:cNvPicPr>
+              <a:picLocks/>
+            </p:cNvPicPr>
+            <p:nvPr/>
+          </p:nvPicPr>
+          <p:blipFill>
+            <a:blip r:embed="rId3">
+              <a:extLst>
+                <a:ext uri="{28A0092B-C50C-407E-A947-70E740481C1C}">
+                  <a14:useLocalDpi xmlns:a14="http://schemas.microsoft.com/office/drawing/2010/main" val="0"/>
+                </a:ext>
+              </a:extLst>
+            </a:blip>
+            <a:stretch>
+              <a:fillRect/>
+            </a:stretch>
+          </p:blipFill>
+          <p:spPr>
+            <a:xfrm>
+              <a:off x="120650" y="6373082"/>
+              <a:ext cx="804672" cy="283464"/>
+            </a:xfrm>
+            <a:prstGeom prst="rect">
+              <a:avLst/>
+            </a:prstGeom>
+          </p:spPr>
+        </p:pic>
+        <p:sp>
+          <p:nvSpPr>
+            <p:cNvPr id="8" name="TextBox 7"/>
+            <p:cNvSpPr txBox="1"/>
+            <p:nvPr/>
+          </p:nvSpPr>
+          <p:spPr>
+            <a:xfrm>
+              <a:off x="925322" y="6314759"/>
+              <a:ext cx="8098028" cy="400110"/>
+            </a:xfrm>
+            <a:prstGeom prst="rect">
+              <a:avLst/>
+            </a:prstGeom>
+            <a:noFill/>
+          </p:spPr>
+          <p:txBody>
+            <a:bodyPr vert="horz" wrap="square" rtlCol="0">
+              <a:spAutoFit/>
+            </a:bodyPr>
+            <a:lstStyle/>
+            <a:p>
+              <a:r>
+                <a:rPr lang="en-US" sz="1000" dirty="0"/>
+                <a:t>© Mitchell Wand, 2012-2014</a:t>
+              </a:r>
+            </a:p>
+            <a:p>
+              <a:r>
+                <a:rPr lang="en-US" sz="1000" dirty="0"/>
+                <a:t>This work is licensed under a </a:t>
+              </a:r>
+              <a:r>
+                <a:rPr lang="en-US" altLang="en-US" sz="1000" dirty="0">
+                  <a:solidFill>
+                    <a:srgbClr val="4374B7"/>
+                  </a:solidFill>
+                  <a:latin typeface="Arial Unicode MS" panose="020B0604020202020204" pitchFamily="34" charset="-128"/>
+                  <a:hlinkClick r:id="rId4"/>
+                </a:rPr>
+                <a:t>Creative Commons Attribution-</a:t>
+              </a:r>
+              <a:r>
+                <a:rPr lang="en-US" altLang="en-US" sz="1000" dirty="0" err="1">
+                  <a:solidFill>
+                    <a:srgbClr val="4374B7"/>
+                  </a:solidFill>
+                  <a:latin typeface="Arial Unicode MS" panose="020B0604020202020204" pitchFamily="34" charset="-128"/>
+                  <a:hlinkClick r:id="rId4"/>
+                </a:rPr>
+                <a:t>NonCommercial</a:t>
+              </a:r>
+              <a:r>
+                <a:rPr lang="en-US" altLang="en-US" sz="1000" dirty="0">
+                  <a:solidFill>
+                    <a:srgbClr val="4374B7"/>
+                  </a:solidFill>
+                  <a:latin typeface="Arial Unicode MS" panose="020B0604020202020204" pitchFamily="34" charset="-128"/>
+                  <a:hlinkClick r:id="rId4"/>
+                </a:rPr>
+                <a:t> 4.0 International License</a:t>
+              </a:r>
+              <a:r>
+                <a:rPr lang="en-US" sz="1000" dirty="0"/>
+                <a:t>.</a:t>
+              </a:r>
+            </a:p>
+          </p:txBody>
+        </p:sp>
+      </p:grpSp>
     </p:spTree>
     <p:extLst>
       <p:ext uri="{BB962C8B-B14F-4D97-AF65-F5344CB8AC3E}">
@@ -4346,13 +4378,6 @@
   <p:clrMapOvr>
     <a:masterClrMapping/>
   </p:clrMapOvr>
-  <p:timing>
-    <p:tnLst>
-      <p:par>
-        <p:cTn id="1" dur="indefinite" restart="never" nodeType="tmRoot"/>
-      </p:par>
-    </p:tnLst>
-  </p:timing>
 </p:sld>
 </file>
 
@@ -4390,13 +4415,8 @@
           <a:p>
             <a:r>
               <a:rPr lang="en-US" dirty="0"/>
-              <a:t>3</a:t>
-            </a:r>
-            <a:r>
-              <a:rPr lang="en-US" dirty="0" smtClean="0"/>
-              <a:t>. Itemization Data</a:t>
-            </a:r>
-            <a:endParaRPr lang="en-US" dirty="0"/>
+              <a:t>3. Itemization Data</a:t>
+            </a:r>
           </a:p>
         </p:txBody>
       </p:sp>
@@ -4416,7 +4436,7 @@
           <a:lstStyle/>
           <a:p>
             <a:r>
-              <a:rPr lang="en-US" i="1" dirty="0" smtClean="0">
+              <a:rPr lang="en-US" i="1" dirty="0">
                 <a:solidFill>
                   <a:srgbClr val="FF0000"/>
                 </a:solidFill>
@@ -4424,19 +4444,19 @@
               <a:t>Itemization data </a:t>
             </a:r>
             <a:r>
-              <a:rPr lang="en-US" dirty="0" smtClean="0"/>
+              <a:rPr lang="en-US" dirty="0"/>
               <a:t>is data that takes on one of a few values.</a:t>
             </a:r>
           </a:p>
           <a:p>
             <a:r>
-              <a:rPr lang="en-US" dirty="0" smtClean="0"/>
+              <a:rPr lang="en-US" dirty="0"/>
               <a:t>Sometimes this is called “enumeration data.”</a:t>
             </a:r>
           </a:p>
           <a:p>
             <a:r>
-              <a:rPr lang="en-US" dirty="0" smtClean="0"/>
+              <a:rPr lang="en-US" dirty="0"/>
               <a:t>The data definition lists the possible values and their interpretation.</a:t>
             </a:r>
           </a:p>
@@ -4476,13 +4496,6 @@
   <p:clrMapOvr>
     <a:masterClrMapping/>
   </p:clrMapOvr>
-  <p:timing>
-    <p:tnLst>
-      <p:par>
-        <p:cTn id="1" dur="indefinite" restart="never" nodeType="tmRoot"/>
-      </p:par>
-    </p:tnLst>
-  </p:timing>
 </p:sld>
 </file>
 
@@ -4520,13 +4533,8 @@
           <a:p>
             <a:r>
               <a:rPr lang="en-US" dirty="0"/>
-              <a:t>4</a:t>
-            </a:r>
-            <a:r>
-              <a:rPr lang="en-US" dirty="0" smtClean="0"/>
-              <a:t>. Mixed Data</a:t>
-            </a:r>
-            <a:endParaRPr lang="en-US" dirty="0"/>
+              <a:t>4. Mixed Data</a:t>
+            </a:r>
           </a:p>
         </p:txBody>
       </p:sp>
@@ -4546,31 +4554,31 @@
           <a:lstStyle/>
           <a:p>
             <a:r>
-              <a:rPr lang="en-US" dirty="0" smtClean="0"/>
+              <a:rPr lang="en-US" dirty="0"/>
               <a:t>Our last kind of data (for today) is </a:t>
             </a:r>
             <a:r>
-              <a:rPr lang="en-US" i="1" dirty="0" smtClean="0"/>
+              <a:rPr lang="en-US" i="1" dirty="0"/>
               <a:t>mixed data</a:t>
             </a:r>
             <a:r>
-              <a:rPr lang="en-US" dirty="0" smtClean="0"/>
+              <a:rPr lang="en-US" dirty="0"/>
               <a:t>. </a:t>
             </a:r>
           </a:p>
           <a:p>
             <a:r>
-              <a:rPr lang="en-US" dirty="0" smtClean="0"/>
+              <a:rPr lang="en-US" dirty="0"/>
               <a:t>Often your data is in the form of alternatives, like itemization data, but one or more of the alternatives is actually compound data.</a:t>
             </a:r>
           </a:p>
           <a:p>
             <a:r>
-              <a:rPr lang="en-US" dirty="0" smtClean="0"/>
+              <a:rPr lang="en-US" dirty="0"/>
               <a:t>We call this </a:t>
             </a:r>
             <a:r>
-              <a:rPr lang="en-US" i="1" dirty="0" smtClean="0">
+              <a:rPr lang="en-US" i="1" dirty="0">
                 <a:solidFill>
                   <a:srgbClr val="FF0000"/>
                 </a:solidFill>
@@ -4578,16 +4586,15 @@
               <a:t>mixed data</a:t>
             </a:r>
             <a:r>
-              <a:rPr lang="en-US" dirty="0" smtClean="0"/>
+              <a:rPr lang="en-US" dirty="0"/>
               <a:t>.</a:t>
             </a:r>
           </a:p>
           <a:p>
             <a:r>
-              <a:rPr lang="en-US" dirty="0" smtClean="0"/>
+              <a:rPr lang="en-US" dirty="0"/>
               <a:t>Compound data and itemization data are just special cases of mixed data.</a:t>
             </a:r>
-            <a:endParaRPr lang="en-US" dirty="0"/>
           </a:p>
         </p:txBody>
       </p:sp>
@@ -4625,13 +4632,6 @@
   <p:clrMapOvr>
     <a:masterClrMapping/>
   </p:clrMapOvr>
-  <p:timing>
-    <p:tnLst>
-      <p:par>
-        <p:cTn id="1" dur="indefinite" restart="never" nodeType="tmRoot"/>
-      </p:par>
-    </p:tnLst>
-  </p:timing>
 </p:sld>
 </file>
 
@@ -4668,10 +4668,9 @@
           <a:lstStyle/>
           <a:p>
             <a:r>
-              <a:rPr lang="en-US" dirty="0" smtClean="0"/>
+              <a:rPr lang="en-US" dirty="0"/>
               <a:t>Example of mixed data</a:t>
             </a:r>
-            <a:endParaRPr lang="en-US" dirty="0"/>
           </a:p>
         </p:txBody>
       </p:sp>
@@ -4696,81 +4695,30 @@
               <a:buNone/>
             </a:pPr>
             <a:r>
-              <a:rPr lang="en-US" dirty="0" smtClean="0"/>
-              <a:t>In </a:t>
-            </a:r>
-            <a:r>
               <a:rPr lang="en-US" dirty="0"/>
-              <a:t>a wine bar, an order may be one of three things: a cup of coffee, a glass of wine, or a cup of tea. </a:t>
-            </a:r>
-            <a:endParaRPr lang="en-US" dirty="0" smtClean="0"/>
+              <a:t>In a wine bar, an order may be one of three things: a cup of coffee, a glass of wine, or a cup of tea. </a:t>
+            </a:r>
           </a:p>
           <a:p>
             <a:pPr lvl="1"/>
             <a:r>
-              <a:rPr lang="en-US" dirty="0" smtClean="0"/>
-              <a:t>For </a:t>
-            </a:r>
-            <a:r>
               <a:rPr lang="en-US" dirty="0"/>
-              <a:t>the coffee, we </a:t>
-            </a:r>
-            <a:r>
-              <a:rPr lang="en-US" dirty="0" smtClean="0"/>
-              <a:t>need </a:t>
-            </a:r>
+              <a:t>For the coffee, we need to specify the size (small, medium, or large) and type (this is a fancy bar, so it carries many types of coffee).  Also whether or not it should be served with milk.</a:t>
+            </a:r>
+          </a:p>
+          <a:p>
+            <a:pPr lvl="1"/>
             <a:r>
               <a:rPr lang="en-US" dirty="0"/>
-              <a:t>to specify the size </a:t>
-            </a:r>
-            <a:r>
-              <a:rPr lang="en-US" dirty="0" smtClean="0"/>
-              <a:t>(small, medium, or large) and type (this is a fancy bar, so it carries many types of coffee).  Also whether or not it should be served with milk.</a:t>
+              <a:t>For the wine, we need to specify which vineyard and which year.  </a:t>
             </a:r>
           </a:p>
           <a:p>
             <a:pPr lvl="1"/>
             <a:r>
-              <a:rPr lang="en-US" dirty="0" smtClean="0"/>
-              <a:t>For </a:t>
-            </a:r>
-            <a:r>
               <a:rPr lang="en-US" dirty="0"/>
-              <a:t>the wine, we </a:t>
-            </a:r>
-            <a:r>
-              <a:rPr lang="en-US" dirty="0" smtClean="0"/>
-              <a:t>need </a:t>
-            </a:r>
-            <a:r>
-              <a:rPr lang="en-US" dirty="0"/>
-              <a:t>to specify which vineyard and which year.  </a:t>
-            </a:r>
-            <a:endParaRPr lang="en-US" dirty="0" smtClean="0"/>
-          </a:p>
-          <a:p>
-            <a:pPr lvl="1"/>
-            <a:r>
-              <a:rPr lang="en-US" dirty="0" smtClean="0"/>
-              <a:t>For </a:t>
-            </a:r>
-            <a:r>
-              <a:rPr lang="en-US" dirty="0"/>
-              <a:t>tea, we </a:t>
-            </a:r>
-            <a:r>
-              <a:rPr lang="en-US" dirty="0" smtClean="0"/>
-              <a:t>need the size of the cup and the type of tea </a:t>
-            </a:r>
-            <a:r>
-              <a:rPr lang="en-US" dirty="0"/>
-              <a:t>(this is a fancy bar, so it carries many types of </a:t>
-            </a:r>
-            <a:r>
-              <a:rPr lang="en-US" dirty="0" smtClean="0"/>
-              <a:t>tea).</a:t>
-            </a:r>
-            <a:endParaRPr lang="en-US" dirty="0"/>
+              <a:t>For tea, we need the size of the cup and the type of tea (this is a fancy bar, so it carries many types of tea).</a:t>
+            </a:r>
           </a:p>
           <a:p>
             <a:endParaRPr lang="en-US" dirty="0"/>
@@ -4814,13 +4762,6 @@
   <p:clrMapOvr>
     <a:masterClrMapping/>
   </p:clrMapOvr>
-  <p:timing>
-    <p:tnLst>
-      <p:par>
-        <p:cTn id="1" dur="indefinite" restart="never" nodeType="tmRoot"/>
-      </p:par>
-    </p:tnLst>
-  </p:timing>
 </p:sld>
 </file>
 
@@ -4859,10 +4800,9 @@
           <a:lstStyle/>
           <a:p>
             <a:r>
-              <a:rPr lang="en-US" dirty="0" smtClean="0"/>
+              <a:rPr lang="en-US" dirty="0"/>
               <a:t>Here's a summary of the different kinds of data</a:t>
             </a:r>
-            <a:endParaRPr lang="en-US" dirty="0"/>
           </a:p>
         </p:txBody>
       </p:sp>
@@ -4891,8 +4831,20 @@
                 <a:tableStyleId>{5C22544A-7EE6-4342-B048-85BDC9FD1C3A}</a:tableStyleId>
               </a:tblPr>
               <a:tblGrid>
-                <a:gridCol w="2977427"/>
-                <a:gridCol w="5709373"/>
+                <a:gridCol w="2977427">
+                  <a:extLst>
+                    <a:ext uri="{9D8B030D-6E8A-4147-A177-3AD203B41FA5}">
+                      <a16:colId xmlns:a16="http://schemas.microsoft.com/office/drawing/2014/main" val="20000"/>
+                    </a:ext>
+                  </a:extLst>
+                </a:gridCol>
+                <a:gridCol w="5709373">
+                  <a:extLst>
+                    <a:ext uri="{9D8B030D-6E8A-4147-A177-3AD203B41FA5}">
+                      <a16:colId xmlns:a16="http://schemas.microsoft.com/office/drawing/2014/main" val="20001"/>
+                    </a:ext>
+                  </a:extLst>
+                </a:gridCol>
               </a:tblGrid>
               <a:tr h="370840">
                 <a:tc>
@@ -4901,10 +4853,9 @@
                     <a:lstStyle/>
                     <a:p>
                       <a:r>
-                        <a:rPr lang="en-US" sz="2400" dirty="0" smtClean="0"/>
+                        <a:rPr lang="en-US" sz="2400" dirty="0"/>
                         <a:t>Kind of Information</a:t>
                       </a:r>
-                      <a:endParaRPr lang="en-US" sz="2400" dirty="0"/>
                     </a:p>
                   </a:txBody>
                   <a:tcPr/>
@@ -4915,14 +4866,18 @@
                     <a:lstStyle/>
                     <a:p>
                       <a:r>
-                        <a:rPr lang="en-US" sz="2400" dirty="0" smtClean="0"/>
+                        <a:rPr lang="en-US" sz="2400" dirty="0"/>
                         <a:t>Example</a:t>
                       </a:r>
-                      <a:endParaRPr lang="en-US" sz="2400" dirty="0"/>
                     </a:p>
                   </a:txBody>
                   <a:tcPr/>
                 </a:tc>
+                <a:extLst>
+                  <a:ext uri="{0D108BD9-81ED-4DB2-BD59-A6C34878D82A}">
+                    <a16:rowId xmlns:a16="http://schemas.microsoft.com/office/drawing/2014/main" val="10000"/>
+                  </a:ext>
+                </a:extLst>
               </a:tr>
               <a:tr h="370840">
                 <a:tc>
@@ -4931,10 +4886,9 @@
                     <a:lstStyle/>
                     <a:p>
                       <a:r>
-                        <a:rPr lang="en-US" sz="2400" dirty="0" smtClean="0"/>
+                        <a:rPr lang="en-US" sz="2400" dirty="0"/>
                         <a:t>Scalar</a:t>
                       </a:r>
-                      <a:endParaRPr lang="en-US" sz="2400" dirty="0"/>
                     </a:p>
                   </a:txBody>
                   <a:tcPr/>
@@ -4945,14 +4899,18 @@
                     <a:lstStyle/>
                     <a:p>
                       <a:r>
-                        <a:rPr lang="en-US" sz="2400" dirty="0" smtClean="0"/>
+                        <a:rPr lang="en-US" sz="2400" dirty="0"/>
                         <a:t>Temperature</a:t>
                       </a:r>
-                      <a:endParaRPr lang="en-US" sz="2400" dirty="0"/>
                     </a:p>
                   </a:txBody>
                   <a:tcPr/>
                 </a:tc>
+                <a:extLst>
+                  <a:ext uri="{0D108BD9-81ED-4DB2-BD59-A6C34878D82A}">
+                    <a16:rowId xmlns:a16="http://schemas.microsoft.com/office/drawing/2014/main" val="10001"/>
+                  </a:ext>
+                </a:extLst>
               </a:tr>
               <a:tr h="370840">
                 <a:tc>
@@ -4961,10 +4919,9 @@
                     <a:lstStyle/>
                     <a:p>
                       <a:r>
-                        <a:rPr lang="en-US" sz="2400" dirty="0" smtClean="0"/>
+                        <a:rPr lang="en-US" sz="2400" dirty="0"/>
                         <a:t>Itemization</a:t>
                       </a:r>
-                      <a:endParaRPr lang="en-US" sz="2400" dirty="0"/>
                     </a:p>
                   </a:txBody>
                   <a:tcPr/>
@@ -4975,7 +4932,7 @@
                     <a:lstStyle/>
                     <a:p>
                       <a:r>
-                        <a:rPr lang="en-US" sz="2400" kern="1200" dirty="0" smtClean="0">
+                        <a:rPr lang="en-US" sz="2400" kern="1200" dirty="0">
                           <a:solidFill>
                             <a:schemeClr val="dk1"/>
                           </a:solidFill>
@@ -4987,7 +4944,7 @@
                         <a:t>Traffic Light state (red, yellow, </a:t>
                       </a:r>
                       <a:r>
-                        <a:rPr lang="en-US" sz="2400" kern="1200" dirty="0" smtClean="0">
+                        <a:rPr lang="en-US" sz="2400" kern="1200" dirty="0">
                           <a:solidFill>
                             <a:srgbClr val="FF0000"/>
                           </a:solidFill>
@@ -4999,7 +4956,7 @@
                         <a:t>OR</a:t>
                       </a:r>
                       <a:r>
-                        <a:rPr lang="en-US" sz="2400" kern="1200" baseline="0" dirty="0" smtClean="0">
+                        <a:rPr lang="en-US" sz="2400" kern="1200" baseline="0" dirty="0">
                           <a:solidFill>
                             <a:schemeClr val="dk1"/>
                           </a:solidFill>
@@ -5011,7 +4968,7 @@
                         <a:t> </a:t>
                       </a:r>
                       <a:r>
-                        <a:rPr lang="en-US" sz="2400" kern="1200" dirty="0" smtClean="0">
+                        <a:rPr lang="en-US" sz="2400" kern="1200" dirty="0">
                           <a:solidFill>
                             <a:schemeClr val="dk1"/>
                           </a:solidFill>
@@ -5027,6 +4984,11 @@
                   </a:txBody>
                   <a:tcPr/>
                 </a:tc>
+                <a:extLst>
+                  <a:ext uri="{0D108BD9-81ED-4DB2-BD59-A6C34878D82A}">
+                    <a16:rowId xmlns:a16="http://schemas.microsoft.com/office/drawing/2014/main" val="10002"/>
+                  </a:ext>
+                </a:extLst>
               </a:tr>
               <a:tr h="370840">
                 <a:tc>
@@ -5035,10 +4997,9 @@
                     <a:lstStyle/>
                     <a:p>
                       <a:r>
-                        <a:rPr lang="en-US" sz="2400" dirty="0" smtClean="0"/>
+                        <a:rPr lang="en-US" sz="2400" dirty="0"/>
                         <a:t>Compound</a:t>
                       </a:r>
-                      <a:endParaRPr lang="en-US" sz="2400" dirty="0"/>
                     </a:p>
                   </a:txBody>
                   <a:tcPr/>
@@ -5049,7 +5010,7 @@
                     <a:lstStyle/>
                     <a:p>
                       <a:r>
-                        <a:rPr lang="en-US" sz="2400" kern="1200" dirty="0" smtClean="0">
+                        <a:rPr lang="en-US" sz="2400" kern="1200" dirty="0">
                           <a:solidFill>
                             <a:schemeClr val="dk1"/>
                           </a:solidFill>
@@ -5061,7 +5022,7 @@
                         <a:t>Book (author, title, </a:t>
                       </a:r>
                       <a:r>
-                        <a:rPr lang="en-US" sz="2400" kern="1200" dirty="0" smtClean="0">
+                        <a:rPr lang="en-US" sz="2400" kern="1200" dirty="0">
                           <a:solidFill>
                             <a:srgbClr val="FF0000"/>
                           </a:solidFill>
@@ -5073,7 +5034,7 @@
                         <a:t>AND</a:t>
                       </a:r>
                       <a:r>
-                        <a:rPr lang="en-US" sz="2400" kern="1200" dirty="0" smtClean="0">
+                        <a:rPr lang="en-US" sz="2400" kern="1200" dirty="0">
                           <a:solidFill>
                             <a:schemeClr val="dk1"/>
                           </a:solidFill>
@@ -5089,6 +5050,11 @@
                   </a:txBody>
                   <a:tcPr/>
                 </a:tc>
+                <a:extLst>
+                  <a:ext uri="{0D108BD9-81ED-4DB2-BD59-A6C34878D82A}">
+                    <a16:rowId xmlns:a16="http://schemas.microsoft.com/office/drawing/2014/main" val="10003"/>
+                  </a:ext>
+                </a:extLst>
               </a:tr>
               <a:tr h="370840">
                 <a:tc>
@@ -5097,10 +5063,9 @@
                     <a:lstStyle/>
                     <a:p>
                       <a:r>
-                        <a:rPr lang="en-US" sz="2400" dirty="0" smtClean="0"/>
+                        <a:rPr lang="en-US" sz="2400" dirty="0"/>
                         <a:t>Mixed</a:t>
                       </a:r>
-                      <a:endParaRPr lang="en-US" sz="2400" dirty="0"/>
                     </a:p>
                   </a:txBody>
                   <a:tcPr/>
@@ -5128,7 +5093,7 @@
                         <a:defRPr/>
                       </a:pPr>
                       <a:r>
-                        <a:rPr lang="en-US" sz="2400" kern="1200" dirty="0" err="1" smtClean="0">
+                        <a:rPr lang="en-US" sz="2400" kern="1200" dirty="0" err="1">
                           <a:solidFill>
                             <a:schemeClr val="dk1"/>
                           </a:solidFill>
@@ -5140,7 +5105,7 @@
                         <a:t>BarOrder</a:t>
                       </a:r>
                       <a:r>
-                        <a:rPr lang="en-US" sz="2400" kern="1200" dirty="0" smtClean="0">
+                        <a:rPr lang="en-US" sz="2400" kern="1200" dirty="0">
                           <a:solidFill>
                             <a:schemeClr val="dk1"/>
                           </a:solidFill>
@@ -5152,7 +5117,7 @@
                         <a:t> (coffee (</a:t>
                       </a:r>
                       <a:r>
-                        <a:rPr lang="en-US" sz="2400" kern="1200" dirty="0" smtClean="0">
+                        <a:rPr lang="en-US" sz="2400" kern="1200" dirty="0">
                           <a:solidFill>
                             <a:schemeClr val="accent3">
                               <a:lumMod val="75000"/>
@@ -5166,7 +5131,7 @@
                         <a:t>compound</a:t>
                       </a:r>
                       <a:r>
-                        <a:rPr lang="en-US" sz="2400" kern="1200" dirty="0" smtClean="0">
+                        <a:rPr lang="en-US" sz="2400" kern="1200" dirty="0">
                           <a:solidFill>
                             <a:schemeClr val="dk1"/>
                           </a:solidFill>
@@ -5197,7 +5162,7 @@
                         <a:defRPr/>
                       </a:pPr>
                       <a:r>
-                        <a:rPr lang="en-US" sz="2400" kern="1200" dirty="0" smtClean="0">
+                        <a:rPr lang="en-US" sz="2400" kern="1200" dirty="0">
                           <a:solidFill>
                             <a:schemeClr val="dk1"/>
                           </a:solidFill>
@@ -5209,7 +5174,7 @@
                         <a:t>            </a:t>
                       </a:r>
                       <a:r>
-                        <a:rPr lang="en-US" sz="2400" kern="1200" dirty="0" smtClean="0">
+                        <a:rPr lang="en-US" sz="2400" kern="1200" dirty="0">
                           <a:solidFill>
                             <a:srgbClr val="FF0000"/>
                           </a:solidFill>
@@ -5221,7 +5186,7 @@
                         <a:t>OR</a:t>
                       </a:r>
                       <a:r>
-                        <a:rPr lang="en-US" sz="2400" kern="1200" dirty="0" smtClean="0">
+                        <a:rPr lang="en-US" sz="2400" kern="1200" dirty="0">
                           <a:solidFill>
                             <a:schemeClr val="dk1"/>
                           </a:solidFill>
@@ -5233,7 +5198,7 @@
                         <a:t> wine (</a:t>
                       </a:r>
                       <a:r>
-                        <a:rPr lang="en-US" sz="2400" kern="1200" dirty="0" smtClean="0">
+                        <a:rPr lang="en-US" sz="2400" kern="1200" dirty="0">
                           <a:solidFill>
                             <a:schemeClr val="accent3">
                               <a:lumMod val="75000"/>
@@ -5247,7 +5212,7 @@
                         <a:t>compound</a:t>
                       </a:r>
                       <a:r>
-                        <a:rPr lang="en-US" sz="2400" kern="1200" dirty="0" smtClean="0">
+                        <a:rPr lang="en-US" sz="2400" kern="1200" dirty="0">
                           <a:solidFill>
                             <a:schemeClr val="dk1"/>
                           </a:solidFill>
@@ -5278,7 +5243,7 @@
                         <a:defRPr/>
                       </a:pPr>
                       <a:r>
-                        <a:rPr lang="en-US" sz="2400" kern="1200" dirty="0" smtClean="0">
+                        <a:rPr lang="en-US" sz="2400" kern="1200" dirty="0">
                           <a:solidFill>
                             <a:schemeClr val="dk1"/>
                           </a:solidFill>
@@ -5290,7 +5255,7 @@
                         <a:t>            </a:t>
                       </a:r>
                       <a:r>
-                        <a:rPr lang="en-US" sz="2400" kern="1200" dirty="0" smtClean="0">
+                        <a:rPr lang="en-US" sz="2400" kern="1200" dirty="0">
                           <a:solidFill>
                             <a:srgbClr val="FF0000"/>
                           </a:solidFill>
@@ -5302,7 +5267,7 @@
                         <a:t>OR</a:t>
                       </a:r>
                       <a:r>
-                        <a:rPr lang="en-US" sz="2400" kern="1200" dirty="0" smtClean="0">
+                        <a:rPr lang="en-US" sz="2400" kern="1200" dirty="0">
                           <a:solidFill>
                             <a:schemeClr val="dk1"/>
                           </a:solidFill>
@@ -5314,7 +5279,7 @@
                         <a:t> tea (</a:t>
                       </a:r>
                       <a:r>
-                        <a:rPr lang="en-US" sz="2400" kern="1200" dirty="0" smtClean="0">
+                        <a:rPr lang="en-US" sz="2400" kern="1200" dirty="0">
                           <a:solidFill>
                             <a:schemeClr val="accent3">
                               <a:lumMod val="75000"/>
@@ -5328,7 +5293,7 @@
                         <a:t>compound</a:t>
                       </a:r>
                       <a:r>
-                        <a:rPr lang="en-US" sz="2400" kern="1200" dirty="0" smtClean="0">
+                        <a:rPr lang="en-US" sz="2400" kern="1200" dirty="0">
                           <a:solidFill>
                             <a:schemeClr val="dk1"/>
                           </a:solidFill>
@@ -5343,6 +5308,11 @@
                   </a:txBody>
                   <a:tcPr/>
                 </a:tc>
+                <a:extLst>
+                  <a:ext uri="{0D108BD9-81ED-4DB2-BD59-A6C34878D82A}">
+                    <a16:rowId xmlns:a16="http://schemas.microsoft.com/office/drawing/2014/main" val="10004"/>
+                  </a:ext>
+                </a:extLst>
               </a:tr>
             </a:tbl>
           </a:graphicData>
@@ -5382,13 +5352,6 @@
   <p:clrMapOvr>
     <a:masterClrMapping/>
   </p:clrMapOvr>
-  <p:timing>
-    <p:tnLst>
-      <p:par>
-        <p:cTn id="1" dur="indefinite" restart="never" nodeType="tmRoot"/>
-      </p:par>
-    </p:tnLst>
-  </p:timing>
 </p:sld>
 </file>
 
@@ -5425,10 +5388,9 @@
           <a:lstStyle/>
           <a:p>
             <a:r>
-              <a:rPr lang="en-US" dirty="0" smtClean="0"/>
+              <a:rPr lang="en-US" dirty="0"/>
               <a:t>Next Steps</a:t>
             </a:r>
-            <a:endParaRPr lang="en-US" dirty="0"/>
           </a:p>
         </p:txBody>
       </p:sp>
@@ -5448,30 +5410,25 @@
           <a:lstStyle/>
           <a:p>
             <a:r>
-              <a:rPr lang="en-US" dirty="0" smtClean="0"/>
+              <a:rPr lang="en-US" dirty="0"/>
               <a:t>Do </a:t>
             </a:r>
             <a:r>
-              <a:rPr lang="en-US" smtClean="0"/>
+              <a:rPr lang="en-US"/>
               <a:t>Guided Practice 1.1</a:t>
             </a:r>
           </a:p>
           <a:p>
             <a:r>
-              <a:rPr lang="en-US" dirty="0" smtClean="0"/>
-              <a:t>If </a:t>
-            </a:r>
-            <a:r>
-              <a:rPr lang="en-US" dirty="0" smtClean="0"/>
-              <a:t>you have questions about this lesson, ask them on the Discussion Board</a:t>
-            </a:r>
-          </a:p>
-          <a:p>
-            <a:r>
-              <a:rPr lang="en-US" dirty="0" smtClean="0"/>
+              <a:rPr lang="en-US" dirty="0"/>
+              <a:t>If you have questions about this lesson, ask them on the Discussion Board</a:t>
+            </a:r>
+          </a:p>
+          <a:p>
+            <a:r>
+              <a:rPr lang="en-US" dirty="0"/>
               <a:t>Go on to the next lesson</a:t>
             </a:r>
-            <a:endParaRPr lang="en-US" dirty="0"/>
           </a:p>
         </p:txBody>
       </p:sp>
@@ -5508,13 +5465,6 @@
   <p:clrMapOvr>
     <a:masterClrMapping/>
   </p:clrMapOvr>
-  <p:timing>
-    <p:tnLst>
-      <p:par>
-        <p:cTn id="1" dur="indefinite" restart="never" nodeType="tmRoot"/>
-      </p:par>
-    </p:tnLst>
-  </p:timing>
 </p:sld>
 </file>
 
@@ -5553,10 +5503,9 @@
           <a:lstStyle/>
           <a:p>
             <a:r>
-              <a:rPr lang="en-US" dirty="0" smtClean="0"/>
+              <a:rPr lang="en-US" dirty="0"/>
               <a:t>Learning Objectives for This Lesson</a:t>
             </a:r>
-            <a:endParaRPr lang="en-US" dirty="0"/>
           </a:p>
         </p:txBody>
       </p:sp>
@@ -5576,28 +5525,28 @@
           <a:lstStyle/>
           <a:p>
             <a:r>
-              <a:rPr lang="en-US" dirty="0" smtClean="0"/>
+              <a:rPr lang="en-US" dirty="0"/>
               <a:t>By the time you finish this lesson, you should be able to:</a:t>
             </a:r>
           </a:p>
           <a:p>
             <a:pPr lvl="1"/>
             <a:r>
-              <a:rPr lang="en-US" dirty="0" smtClean="0"/>
+              <a:rPr lang="en-US" dirty="0"/>
               <a:t>explain the relationship between information and data.</a:t>
             </a:r>
           </a:p>
           <a:p>
             <a:pPr lvl="1"/>
             <a:r>
-              <a:rPr lang="en-US" dirty="0" smtClean="0"/>
+              <a:rPr lang="en-US" dirty="0"/>
               <a:t>list the steps of the data design recipe.</a:t>
             </a:r>
           </a:p>
           <a:p>
             <a:pPr lvl="1"/>
             <a:r>
-              <a:rPr lang="en-US" dirty="0" smtClean="0"/>
+              <a:rPr lang="en-US" dirty="0"/>
               <a:t>define scalar, compound, itemization, and mixed data and give examples of each.</a:t>
             </a:r>
           </a:p>
@@ -5637,13 +5586,6 @@
   <p:clrMapOvr>
     <a:masterClrMapping/>
   </p:clrMapOvr>
-  <p:timing>
-    <p:tnLst>
-      <p:par>
-        <p:cTn id="1" dur="indefinite" restart="never" nodeType="tmRoot"/>
-      </p:par>
-    </p:tnLst>
-  </p:timing>
 </p:sld>
 </file>
 
@@ -5680,10 +5622,9 @@
           <a:lstStyle/>
           <a:p>
             <a:r>
-              <a:rPr lang="en-US" dirty="0" smtClean="0"/>
+              <a:rPr lang="en-US" dirty="0"/>
               <a:t>Information and Data</a:t>
             </a:r>
-            <a:endParaRPr lang="en-US" dirty="0"/>
           </a:p>
         </p:txBody>
       </p:sp>
@@ -5739,18 +5680,13 @@
             <a:p>
               <a:pPr algn="ctr"/>
               <a:r>
-                <a:rPr lang="en-US" sz="3200" dirty="0" smtClean="0">
+                <a:rPr lang="en-US" sz="3200" dirty="0">
                   <a:solidFill>
                     <a:schemeClr val="tx1"/>
                   </a:solidFill>
                 </a:rPr>
                 <a:t>Information</a:t>
               </a:r>
-              <a:endParaRPr lang="en-US" sz="3200" dirty="0">
-                <a:solidFill>
-                  <a:schemeClr val="tx1"/>
-                </a:solidFill>
-              </a:endParaRPr>
             </a:p>
           </p:txBody>
         </p:sp>
@@ -5792,18 +5728,13 @@
             <a:p>
               <a:pPr algn="ctr"/>
               <a:r>
-                <a:rPr lang="en-US" sz="3200" dirty="0" smtClean="0">
+                <a:rPr lang="en-US" sz="3200" dirty="0">
                   <a:solidFill>
                     <a:schemeClr val="tx1"/>
                   </a:solidFill>
                 </a:rPr>
                 <a:t>Data</a:t>
               </a:r>
-              <a:endParaRPr lang="en-US" sz="3200" dirty="0">
-                <a:solidFill>
-                  <a:schemeClr val="tx1"/>
-                </a:solidFill>
-              </a:endParaRPr>
             </a:p>
           </p:txBody>
         </p:sp>
@@ -5858,7 +5789,7 @@
               <a:p>
                 <a:pPr algn="ctr"/>
                 <a:r>
-                  <a:rPr lang="en-US" sz="2400" dirty="0" smtClean="0"/>
+                  <a:rPr lang="en-US" sz="2400" dirty="0"/>
                   <a:t>representation</a:t>
                 </a:r>
               </a:p>
@@ -5904,10 +5835,9 @@
               <a:p>
                 <a:pPr algn="ctr"/>
                 <a:r>
-                  <a:rPr lang="en-US" sz="2400" dirty="0" smtClean="0"/>
+                  <a:rPr lang="en-US" sz="2400" dirty="0"/>
                   <a:t>interpretation</a:t>
                 </a:r>
-                <a:endParaRPr lang="en-US" sz="2400" dirty="0"/>
               </a:p>
             </p:txBody>
           </p:sp>
@@ -5947,13 +5877,6 @@
   <p:clrMapOvr>
     <a:masterClrMapping/>
   </p:clrMapOvr>
-  <p:timing>
-    <p:tnLst>
-      <p:par>
-        <p:cTn id="1" dur="indefinite" restart="never" nodeType="tmRoot"/>
-      </p:par>
-    </p:tnLst>
-  </p:timing>
 </p:sld>
 </file>
 
@@ -5992,10 +5915,9 @@
           <a:lstStyle/>
           <a:p>
             <a:r>
-              <a:rPr lang="en-US" dirty="0" smtClean="0"/>
+              <a:rPr lang="en-US" dirty="0"/>
               <a:t>Information Analysis and Data Design</a:t>
             </a:r>
-            <a:endParaRPr lang="en-US" dirty="0"/>
           </a:p>
         </p:txBody>
       </p:sp>
@@ -6015,17 +5937,17 @@
           <a:lstStyle/>
           <a:p>
             <a:r>
-              <a:rPr lang="en-US" dirty="0" smtClean="0"/>
+              <a:rPr lang="en-US" dirty="0"/>
               <a:t>Information is what lives in the real world</a:t>
             </a:r>
           </a:p>
           <a:p>
             <a:r>
-              <a:rPr lang="en-US" dirty="0" smtClean="0"/>
+              <a:rPr lang="en-US" dirty="0"/>
               <a:t>Need to decide </a:t>
             </a:r>
             <a:r>
-              <a:rPr lang="en-US" i="1" dirty="0" smtClean="0">
+              <a:rPr lang="en-US" i="1" dirty="0">
                 <a:solidFill>
                   <a:srgbClr val="FF0000"/>
                 </a:solidFill>
@@ -6033,17 +5955,17 @@
               <a:t>what part</a:t>
             </a:r>
             <a:r>
-              <a:rPr lang="en-US" dirty="0" smtClean="0"/>
+              <a:rPr lang="en-US" dirty="0"/>
               <a:t> of that information needs to be represented as data.</a:t>
             </a:r>
           </a:p>
           <a:p>
             <a:r>
-              <a:rPr lang="en-US" dirty="0" smtClean="0"/>
+              <a:rPr lang="en-US" dirty="0"/>
               <a:t>Need to decide </a:t>
             </a:r>
             <a:r>
-              <a:rPr lang="en-US" i="1" dirty="0" smtClean="0">
+              <a:rPr lang="en-US" i="1" dirty="0">
                 <a:solidFill>
                   <a:srgbClr val="FF0000"/>
                 </a:solidFill>
@@ -6051,17 +5973,17 @@
               <a:t>how</a:t>
             </a:r>
             <a:r>
-              <a:rPr lang="en-US" dirty="0" smtClean="0"/>
+              <a:rPr lang="en-US" dirty="0"/>
               <a:t> that information will be represented as data</a:t>
             </a:r>
           </a:p>
           <a:p>
             <a:r>
-              <a:rPr lang="en-US" dirty="0" smtClean="0"/>
+              <a:rPr lang="en-US" dirty="0"/>
               <a:t>Need to document how to </a:t>
             </a:r>
             <a:r>
-              <a:rPr lang="en-US" i="1" dirty="0" smtClean="0">
+              <a:rPr lang="en-US" i="1" dirty="0">
                 <a:solidFill>
                   <a:srgbClr val="FF0000"/>
                 </a:solidFill>
@@ -6069,10 +5991,9 @@
               <a:t>interpret</a:t>
             </a:r>
             <a:r>
-              <a:rPr lang="en-US" dirty="0" smtClean="0"/>
+              <a:rPr lang="en-US" dirty="0"/>
               <a:t> the data as information</a:t>
             </a:r>
-            <a:endParaRPr lang="en-US" dirty="0"/>
           </a:p>
         </p:txBody>
       </p:sp>
@@ -6110,13 +6031,6 @@
   <p:clrMapOvr>
     <a:masterClrMapping/>
   </p:clrMapOvr>
-  <p:timing>
-    <p:tnLst>
-      <p:par>
-        <p:cTn id="1" dur="indefinite" restart="never" nodeType="tmRoot"/>
-      </p:par>
-    </p:tnLst>
-  </p:timing>
 </p:sld>
 </file>
 
@@ -6153,10 +6067,9 @@
           <a:lstStyle/>
           <a:p>
             <a:r>
-              <a:rPr lang="en-US" dirty="0" smtClean="0"/>
+              <a:rPr lang="en-US" dirty="0"/>
               <a:t>Choosing a data representation</a:t>
             </a:r>
-            <a:endParaRPr lang="en-US" dirty="0"/>
           </a:p>
         </p:txBody>
       </p:sp>
@@ -6178,16 +6091,15 @@
           <a:lstStyle/>
           <a:p>
             <a:r>
-              <a:rPr lang="en-US" dirty="0" smtClean="0"/>
+              <a:rPr lang="en-US" dirty="0"/>
               <a:t>Let's assume you know what pieces of information need to be represented.</a:t>
             </a:r>
           </a:p>
           <a:p>
             <a:r>
-              <a:rPr lang="en-US" dirty="0" smtClean="0"/>
+              <a:rPr lang="en-US" dirty="0"/>
               <a:t>We need to know what kind of information each piece is.</a:t>
             </a:r>
-            <a:endParaRPr lang="en-US" dirty="0"/>
           </a:p>
         </p:txBody>
       </p:sp>
@@ -6225,13 +6137,6 @@
   <p:clrMapOvr>
     <a:masterClrMapping/>
   </p:clrMapOvr>
-  <p:timing>
-    <p:tnLst>
-      <p:par>
-        <p:cTn id="1" dur="indefinite" restart="never" nodeType="tmRoot"/>
-      </p:par>
-    </p:tnLst>
-  </p:timing>
 </p:sld>
 </file>
 
@@ -6268,10 +6173,9 @@
           <a:lstStyle/>
           <a:p>
             <a:r>
-              <a:rPr lang="en-US" dirty="0" smtClean="0"/>
+              <a:rPr lang="en-US" dirty="0"/>
               <a:t>Kinds of Data</a:t>
             </a:r>
-            <a:endParaRPr lang="en-US" dirty="0"/>
           </a:p>
         </p:txBody>
       </p:sp>
@@ -6297,7 +6201,13 @@
                 <a:tableStyleId>{5C22544A-7EE6-4342-B048-85BDC9FD1C3A}</a:tableStyleId>
               </a:tblPr>
               <a:tblGrid>
-                <a:gridCol w="8229600"/>
+                <a:gridCol w="8229600">
+                  <a:extLst>
+                    <a:ext uri="{9D8B030D-6E8A-4147-A177-3AD203B41FA5}">
+                      <a16:colId xmlns:a16="http://schemas.microsoft.com/office/drawing/2014/main" val="20000"/>
+                    </a:ext>
+                  </a:extLst>
+                </a:gridCol>
               </a:tblGrid>
               <a:tr h="370840">
                 <a:tc>
@@ -6307,14 +6217,18 @@
                     <a:p>
                       <a:pPr algn="ctr"/>
                       <a:r>
-                        <a:rPr lang="en-US" sz="3200" dirty="0" smtClean="0"/>
+                        <a:rPr lang="en-US" sz="3200" dirty="0"/>
                         <a:t>Kinds of Data</a:t>
                       </a:r>
-                      <a:endParaRPr lang="en-US" sz="3200" dirty="0"/>
                     </a:p>
                   </a:txBody>
                   <a:tcPr/>
                 </a:tc>
+                <a:extLst>
+                  <a:ext uri="{0D108BD9-81ED-4DB2-BD59-A6C34878D82A}">
+                    <a16:rowId xmlns:a16="http://schemas.microsoft.com/office/drawing/2014/main" val="10000"/>
+                  </a:ext>
+                </a:extLst>
               </a:tr>
               <a:tr h="370840">
                 <a:tc>
@@ -6323,14 +6237,18 @@
                     <a:lstStyle/>
                     <a:p>
                       <a:r>
-                        <a:rPr lang="en-US" sz="3200" dirty="0" smtClean="0"/>
+                        <a:rPr lang="en-US" sz="3200" dirty="0"/>
                         <a:t>1. Scalar Data</a:t>
                       </a:r>
-                      <a:endParaRPr lang="en-US" sz="3200" dirty="0"/>
                     </a:p>
                   </a:txBody>
                   <a:tcPr/>
                 </a:tc>
+                <a:extLst>
+                  <a:ext uri="{0D108BD9-81ED-4DB2-BD59-A6C34878D82A}">
+                    <a16:rowId xmlns:a16="http://schemas.microsoft.com/office/drawing/2014/main" val="10001"/>
+                  </a:ext>
+                </a:extLst>
               </a:tr>
               <a:tr h="370840">
                 <a:tc>
@@ -6339,14 +6257,18 @@
                     <a:lstStyle/>
                     <a:p>
                       <a:r>
-                        <a:rPr lang="en-US" sz="3200" dirty="0" smtClean="0"/>
+                        <a:rPr lang="en-US" sz="3200" dirty="0"/>
                         <a:t>2. Compound Data</a:t>
                       </a:r>
-                      <a:endParaRPr lang="en-US" sz="3200" dirty="0"/>
                     </a:p>
                   </a:txBody>
                   <a:tcPr/>
                 </a:tc>
+                <a:extLst>
+                  <a:ext uri="{0D108BD9-81ED-4DB2-BD59-A6C34878D82A}">
+                    <a16:rowId xmlns:a16="http://schemas.microsoft.com/office/drawing/2014/main" val="10002"/>
+                  </a:ext>
+                </a:extLst>
               </a:tr>
               <a:tr h="370840">
                 <a:tc>
@@ -6355,11 +6277,11 @@
                     <a:lstStyle/>
                     <a:p>
                       <a:r>
-                        <a:rPr lang="en-US" sz="3200" dirty="0" smtClean="0"/>
+                        <a:rPr lang="en-US" sz="3200" dirty="0"/>
                         <a:t>3.</a:t>
                       </a:r>
                       <a:r>
-                        <a:rPr lang="en-US" sz="3200" baseline="0" dirty="0" smtClean="0"/>
+                        <a:rPr lang="en-US" sz="3200" baseline="0" dirty="0"/>
                         <a:t> Itemization Data</a:t>
                       </a:r>
                       <a:endParaRPr lang="en-US" sz="3200" dirty="0"/>
@@ -6367,6 +6289,11 @@
                   </a:txBody>
                   <a:tcPr/>
                 </a:tc>
+                <a:extLst>
+                  <a:ext uri="{0D108BD9-81ED-4DB2-BD59-A6C34878D82A}">
+                    <a16:rowId xmlns:a16="http://schemas.microsoft.com/office/drawing/2014/main" val="10003"/>
+                  </a:ext>
+                </a:extLst>
               </a:tr>
               <a:tr h="370840">
                 <a:tc>
@@ -6375,13 +6302,18 @@
                     <a:lstStyle/>
                     <a:p>
                       <a:r>
-                        <a:rPr lang="en-US" sz="3200" dirty="0" smtClean="0"/>
+                        <a:rPr lang="en-US" sz="3200" dirty="0"/>
                         <a:t>4. Mixed Data</a:t>
                       </a:r>
                     </a:p>
                   </a:txBody>
                   <a:tcPr/>
                 </a:tc>
+                <a:extLst>
+                  <a:ext uri="{0D108BD9-81ED-4DB2-BD59-A6C34878D82A}">
+                    <a16:rowId xmlns:a16="http://schemas.microsoft.com/office/drawing/2014/main" val="10004"/>
+                  </a:ext>
+                </a:extLst>
               </a:tr>
               <a:tr h="370840">
                 <a:tc>
@@ -6390,14 +6322,18 @@
                     <a:lstStyle/>
                     <a:p>
                       <a:r>
-                        <a:rPr lang="en-US" sz="3200" dirty="0" smtClean="0"/>
+                        <a:rPr lang="en-US" sz="3200" dirty="0"/>
                         <a:t>5. Recursive Data</a:t>
                       </a:r>
-                      <a:endParaRPr lang="en-US" sz="3200" dirty="0"/>
                     </a:p>
                   </a:txBody>
                   <a:tcPr/>
                 </a:tc>
+                <a:extLst>
+                  <a:ext uri="{0D108BD9-81ED-4DB2-BD59-A6C34878D82A}">
+                    <a16:rowId xmlns:a16="http://schemas.microsoft.com/office/drawing/2014/main" val="10005"/>
+                  </a:ext>
+                </a:extLst>
               </a:tr>
               <a:tr h="370840">
                 <a:tc>
@@ -6406,14 +6342,18 @@
                     <a:lstStyle/>
                     <a:p>
                       <a:r>
-                        <a:rPr lang="en-US" sz="3200" dirty="0" smtClean="0"/>
+                        <a:rPr lang="en-US" sz="3200" dirty="0"/>
                         <a:t>6. Mutually Recursive Data</a:t>
                       </a:r>
-                      <a:endParaRPr lang="en-US" sz="3200" dirty="0"/>
                     </a:p>
                   </a:txBody>
                   <a:tcPr/>
                 </a:tc>
+                <a:extLst>
+                  <a:ext uri="{0D108BD9-81ED-4DB2-BD59-A6C34878D82A}">
+                    <a16:rowId xmlns:a16="http://schemas.microsoft.com/office/drawing/2014/main" val="10006"/>
+                  </a:ext>
+                </a:extLst>
               </a:tr>
               <a:tr h="370840">
                 <a:tc>
@@ -6422,11 +6362,11 @@
                     <a:lstStyle/>
                     <a:p>
                       <a:r>
-                        <a:rPr lang="en-US" sz="3200" dirty="0" smtClean="0"/>
+                        <a:rPr lang="en-US" sz="3200" dirty="0"/>
                         <a:t>7. Functional</a:t>
                       </a:r>
                       <a:r>
-                        <a:rPr lang="en-US" sz="3200" baseline="0" dirty="0" smtClean="0"/>
+                        <a:rPr lang="en-US" sz="3200" baseline="0" dirty="0"/>
                         <a:t> Data</a:t>
                       </a:r>
                       <a:endParaRPr lang="en-US" sz="3200" dirty="0"/>
@@ -6434,6 +6374,11 @@
                   </a:txBody>
                   <a:tcPr/>
                 </a:tc>
+                <a:extLst>
+                  <a:ext uri="{0D108BD9-81ED-4DB2-BD59-A6C34878D82A}">
+                    <a16:rowId xmlns:a16="http://schemas.microsoft.com/office/drawing/2014/main" val="10007"/>
+                  </a:ext>
+                </a:extLst>
               </a:tr>
             </a:tbl>
           </a:graphicData>
@@ -6632,10 +6577,9 @@
           <a:lstStyle/>
           <a:p>
             <a:r>
-              <a:rPr lang="en-US" dirty="0" smtClean="0"/>
+              <a:rPr lang="en-US" dirty="0"/>
               <a:t>1. Scalar Data</a:t>
             </a:r>
-            <a:endParaRPr lang="en-US" dirty="0"/>
           </a:p>
         </p:txBody>
       </p:sp>
@@ -6655,25 +6599,25 @@
           <a:lstStyle/>
           <a:p>
             <a:r>
-              <a:rPr lang="en-US" dirty="0" smtClean="0"/>
+              <a:rPr lang="en-US" dirty="0"/>
               <a:t>Simple data, e.g. numbers, strings, etc.</a:t>
             </a:r>
           </a:p>
           <a:p>
             <a:r>
-              <a:rPr lang="en-US" dirty="0" smtClean="0"/>
+              <a:rPr lang="en-US" dirty="0"/>
               <a:t>These are already values in Racket.</a:t>
             </a:r>
           </a:p>
           <a:p>
             <a:r>
-              <a:rPr lang="en-US" dirty="0" smtClean="0"/>
+              <a:rPr lang="en-US" dirty="0"/>
               <a:t>Racket has lots more kinds of values, but these will be enough for now.</a:t>
             </a:r>
           </a:p>
           <a:p>
             <a:r>
-              <a:rPr lang="en-US" dirty="0" smtClean="0"/>
+              <a:rPr lang="en-US" dirty="0"/>
               <a:t>If a variable or constant contains scalar data, the interpretation tells the meaning of that data.</a:t>
             </a:r>
           </a:p>
@@ -6716,13 +6660,6 @@
   <p:clrMapOvr>
     <a:masterClrMapping/>
   </p:clrMapOvr>
-  <p:timing>
-    <p:tnLst>
-      <p:par>
-        <p:cTn id="1" dur="indefinite" restart="never" nodeType="tmRoot"/>
-      </p:par>
-    </p:tnLst>
-  </p:timing>
 </p:sld>
 </file>
 
@@ -6759,10 +6696,9 @@
           <a:lstStyle/>
           <a:p>
             <a:r>
-              <a:rPr lang="en-US" dirty="0" smtClean="0"/>
+              <a:rPr lang="en-US" dirty="0"/>
               <a:t>2. Compound Data</a:t>
             </a:r>
-            <a:endParaRPr lang="en-US" dirty="0"/>
           </a:p>
         </p:txBody>
       </p:sp>
@@ -6784,7 +6720,7 @@
           <a:lstStyle/>
           <a:p>
             <a:r>
-              <a:rPr lang="en-US" i="1" dirty="0" smtClean="0">
+              <a:rPr lang="en-US" i="1" dirty="0">
                 <a:solidFill>
                   <a:srgbClr val="FF0000"/>
                 </a:solidFill>
@@ -6792,47 +6728,47 @@
               <a:t>Compound data </a:t>
             </a:r>
             <a:r>
-              <a:rPr lang="en-US" dirty="0" smtClean="0"/>
+              <a:rPr lang="en-US" dirty="0"/>
               <a:t>is data that consists of two or more quantities, or has two or more attributes</a:t>
             </a:r>
           </a:p>
           <a:p>
             <a:r>
-              <a:rPr lang="en-US" dirty="0" smtClean="0"/>
+              <a:rPr lang="en-US" dirty="0"/>
               <a:t>Examples:</a:t>
             </a:r>
           </a:p>
           <a:p>
             <a:pPr lvl="1"/>
             <a:r>
-              <a:rPr lang="en-US" dirty="0" smtClean="0"/>
+              <a:rPr lang="en-US" dirty="0"/>
               <a:t>a book in a bookstore inventory</a:t>
             </a:r>
           </a:p>
           <a:p>
             <a:pPr lvl="2"/>
             <a:r>
-              <a:rPr lang="en-US" dirty="0" smtClean="0"/>
+              <a:rPr lang="en-US" dirty="0"/>
               <a:t>it has author, title, ISBN, cost, price</a:t>
             </a:r>
           </a:p>
           <a:p>
             <a:pPr lvl="1"/>
             <a:r>
-              <a:rPr lang="en-US" dirty="0" smtClean="0"/>
+              <a:rPr lang="en-US" dirty="0"/>
               <a:t>a circle on the screen </a:t>
             </a:r>
           </a:p>
           <a:p>
             <a:pPr lvl="2"/>
             <a:r>
-              <a:rPr lang="en-US" dirty="0" smtClean="0"/>
+              <a:rPr lang="en-US" dirty="0"/>
               <a:t>it has x and y positions, color, and radius.</a:t>
             </a:r>
           </a:p>
           <a:p>
             <a:r>
-              <a:rPr lang="en-US" dirty="0" smtClean="0"/>
+              <a:rPr lang="en-US" dirty="0"/>
               <a:t>The interpretation gives the meaning of each field.</a:t>
             </a:r>
           </a:p>
@@ -6872,13 +6808,6 @@
   <p:clrMapOvr>
     <a:masterClrMapping/>
   </p:clrMapOvr>
-  <p:timing>
-    <p:tnLst>
-      <p:par>
-        <p:cTn id="1" dur="indefinite" restart="never" nodeType="tmRoot"/>
-      </p:par>
-    </p:tnLst>
-  </p:timing>
 </p:sld>
 </file>
 
@@ -6917,10 +6846,9 @@
           <a:lstStyle/>
           <a:p>
             <a:r>
-              <a:rPr lang="en-US" dirty="0" smtClean="0"/>
+              <a:rPr lang="en-US" dirty="0"/>
               <a:t>A Compound can contain a compound</a:t>
             </a:r>
-            <a:endParaRPr lang="en-US" dirty="0"/>
           </a:p>
         </p:txBody>
       </p:sp>
@@ -6940,43 +6868,42 @@
           <a:lstStyle/>
           <a:p>
             <a:r>
-              <a:rPr lang="en-US" dirty="0" smtClean="0"/>
+              <a:rPr lang="en-US" dirty="0"/>
               <a:t>An author might have a first name, a last name, a birthdate, etc.</a:t>
             </a:r>
           </a:p>
           <a:p>
             <a:r>
-              <a:rPr lang="en-US" dirty="0" smtClean="0"/>
+              <a:rPr lang="en-US" dirty="0"/>
               <a:t>A faucet might contain two washers</a:t>
             </a:r>
           </a:p>
           <a:p>
             <a:pPr lvl="1"/>
             <a:r>
-              <a:rPr lang="en-US" dirty="0" smtClean="0"/>
+              <a:rPr lang="en-US" dirty="0"/>
               <a:t>an upper washer and a lower washer</a:t>
             </a:r>
           </a:p>
           <a:p>
             <a:r>
-              <a:rPr lang="en-US" dirty="0" smtClean="0"/>
+              <a:rPr lang="en-US" dirty="0"/>
               <a:t>Each washer might have several attributes</a:t>
             </a:r>
           </a:p>
           <a:p>
             <a:pPr lvl="1"/>
             <a:r>
-              <a:rPr lang="en-US" dirty="0" smtClean="0"/>
+              <a:rPr lang="en-US" dirty="0"/>
               <a:t>inner dimension, outer dimension, thickness</a:t>
             </a:r>
           </a:p>
           <a:p>
             <a:pPr lvl="1"/>
             <a:r>
-              <a:rPr lang="en-US" dirty="0" smtClean="0"/>
+              <a:rPr lang="en-US" dirty="0"/>
               <a:t>manufacturer, model number, cost, etc.</a:t>
             </a:r>
-            <a:endParaRPr lang="en-US" dirty="0"/>
           </a:p>
         </p:txBody>
       </p:sp>
@@ -7014,13 +6941,6 @@
   <p:clrMapOvr>
     <a:masterClrMapping/>
   </p:clrMapOvr>
-  <p:timing>
-    <p:tnLst>
-      <p:par>
-        <p:cTn id="1" dur="indefinite" restart="never" nodeType="tmRoot"/>
-      </p:par>
-    </p:tnLst>
-  </p:timing>
 </p:sld>
 </file>
 
